--- a/wamr/materials/wasi-component-model-evaluation.pptx
+++ b/wamr/materials/wasi-component-model-evaluation.pptx
@@ -140,58 +140,130 @@
 <file path=ppt/changesInfos/changesInfo1.xml><?xml version="1.0" encoding="utf-8"?>
 <pc:chgInfo xmlns:a="http://schemas.openxmlformats.org/drawingml/2006/main" xmlns:r="http://schemas.openxmlformats.org/officeDocument/2006/relationships" xmlns:ac="http://schemas.microsoft.com/office/drawing/2013/main/command" xmlns:pc="http://schemas.microsoft.com/office/powerpoint/2013/main/command">
   <pc:docChgLst>
-    <pc:chgData name="Wang, Xin" userId="de5fe87c-0211-4d1e-a72b-3f57084d94fd" providerId="ADAL" clId="{75D24CDC-5D28-490D-94AE-481B27874891}"/>
-    <pc:docChg chg="custSel addSld delSld modSld sldOrd modMainMaster">
-      <pc:chgData name="Wang, Xin" userId="de5fe87c-0211-4d1e-a72b-3f57084d94fd" providerId="ADAL" clId="{75D24CDC-5D28-490D-94AE-481B27874891}" dt="2023-08-22T10:01:05.654" v="3650" actId="20577"/>
+    <pc:chgData name="Wang, Xin" userId="de5fe87c-0211-4d1e-a72b-3f57084d94fd" providerId="ADAL" clId="{B78FAE23-380A-4AB3-8EA1-350E19EEBF4D}"/>
+    <pc:docChg chg="custSel addSld delSld modSld sldOrd">
+      <pc:chgData name="Wang, Xin" userId="de5fe87c-0211-4d1e-a72b-3f57084d94fd" providerId="ADAL" clId="{B78FAE23-380A-4AB3-8EA1-350E19EEBF4D}" dt="2023-08-23T00:02:09.831" v="1239" actId="20577"/>
       <pc:docMkLst>
         <pc:docMk/>
       </pc:docMkLst>
-      <pc:sldChg chg="new">
-        <pc:chgData name="Wang, Xin" userId="de5fe87c-0211-4d1e-a72b-3f57084d94fd" providerId="ADAL" clId="{75D24CDC-5D28-490D-94AE-481B27874891}" dt="2023-08-22T05:21:31.653" v="0" actId="680"/>
+      <pc:sldChg chg="modSp mod">
+        <pc:chgData name="Wang, Xin" userId="de5fe87c-0211-4d1e-a72b-3f57084d94fd" providerId="ADAL" clId="{B78FAE23-380A-4AB3-8EA1-350E19EEBF4D}" dt="2023-08-23T00:02:09.831" v="1239" actId="20577"/>
         <pc:sldMkLst>
           <pc:docMk/>
           <pc:sldMk cId="2609094379" sldId="256"/>
         </pc:sldMkLst>
+        <pc:spChg chg="mod">
+          <ac:chgData name="Wang, Xin" userId="de5fe87c-0211-4d1e-a72b-3f57084d94fd" providerId="ADAL" clId="{B78FAE23-380A-4AB3-8EA1-350E19EEBF4D}" dt="2023-08-23T00:02:09.831" v="1239" actId="20577"/>
+          <ac:spMkLst>
+            <pc:docMk/>
+            <pc:sldMk cId="2609094379" sldId="256"/>
+            <ac:spMk id="2" creationId="{A6FB08D4-410F-2C89-32C8-2676BA39FDD0}"/>
+          </ac:spMkLst>
+        </pc:spChg>
+        <pc:spChg chg="mod">
+          <ac:chgData name="Wang, Xin" userId="de5fe87c-0211-4d1e-a72b-3f57084d94fd" providerId="ADAL" clId="{B78FAE23-380A-4AB3-8EA1-350E19EEBF4D}" dt="2023-08-22T23:44:02.673" v="1210" actId="20577"/>
+          <ac:spMkLst>
+            <pc:docMk/>
+            <pc:sldMk cId="2609094379" sldId="256"/>
+            <ac:spMk id="3" creationId="{38EF27F5-CFA2-212D-35D5-8A8097E7D4F1}"/>
+          </ac:spMkLst>
+        </pc:spChg>
       </pc:sldChg>
-      <pc:sldChg chg="modSp new mod">
-        <pc:chgData name="Wang, Xin" userId="de5fe87c-0211-4d1e-a72b-3f57084d94fd" providerId="ADAL" clId="{75D24CDC-5D28-490D-94AE-481B27874891}" dt="2023-08-22T06:12:12.051" v="354" actId="21"/>
+      <pc:sldChg chg="addSp delSp modSp mod modNotesTx">
+        <pc:chgData name="Wang, Xin" userId="de5fe87c-0211-4d1e-a72b-3f57084d94fd" providerId="ADAL" clId="{B78FAE23-380A-4AB3-8EA1-350E19EEBF4D}" dt="2023-08-23T00:01:45.411" v="1225" actId="14100"/>
         <pc:sldMkLst>
           <pc:docMk/>
           <pc:sldMk cId="967288255" sldId="257"/>
         </pc:sldMkLst>
         <pc:spChg chg="mod">
-          <ac:chgData name="Wang, Xin" userId="de5fe87c-0211-4d1e-a72b-3f57084d94fd" providerId="ADAL" clId="{75D24CDC-5D28-490D-94AE-481B27874891}" dt="2023-08-22T05:27:35.533" v="38" actId="20577"/>
+          <ac:chgData name="Wang, Xin" userId="de5fe87c-0211-4d1e-a72b-3f57084d94fd" providerId="ADAL" clId="{B78FAE23-380A-4AB3-8EA1-350E19EEBF4D}" dt="2023-08-22T22:58:27.193" v="909" actId="1076"/>
           <ac:spMkLst>
             <pc:docMk/>
             <pc:sldMk cId="967288255" sldId="257"/>
             <ac:spMk id="2" creationId="{AB5BFF92-E5C5-C7C0-3CE4-DA5679354DC4}"/>
           </ac:spMkLst>
         </pc:spChg>
-        <pc:spChg chg="mod">
-          <ac:chgData name="Wang, Xin" userId="de5fe87c-0211-4d1e-a72b-3f57084d94fd" providerId="ADAL" clId="{75D24CDC-5D28-490D-94AE-481B27874891}" dt="2023-08-22T06:12:12.051" v="354" actId="21"/>
+        <pc:spChg chg="del mod">
+          <ac:chgData name="Wang, Xin" userId="de5fe87c-0211-4d1e-a72b-3f57084d94fd" providerId="ADAL" clId="{B78FAE23-380A-4AB3-8EA1-350E19EEBF4D}" dt="2023-08-22T13:53:34.784" v="700" actId="478"/>
           <ac:spMkLst>
             <pc:docMk/>
             <pc:sldMk cId="967288255" sldId="257"/>
             <ac:spMk id="3" creationId="{06A98C76-21C3-A17C-79B6-8B880E8F2F37}"/>
           </ac:spMkLst>
         </pc:spChg>
+        <pc:spChg chg="add del mod">
+          <ac:chgData name="Wang, Xin" userId="de5fe87c-0211-4d1e-a72b-3f57084d94fd" providerId="ADAL" clId="{B78FAE23-380A-4AB3-8EA1-350E19EEBF4D}" dt="2023-08-22T23:59:51.166" v="1212" actId="478"/>
+          <ac:spMkLst>
+            <pc:docMk/>
+            <pc:sldMk cId="967288255" sldId="257"/>
+            <ac:spMk id="3" creationId="{4227B70F-9B4B-8B74-1C7E-23FA3A9D284F}"/>
+          </ac:spMkLst>
+        </pc:spChg>
+        <pc:spChg chg="add mod">
+          <ac:chgData name="Wang, Xin" userId="de5fe87c-0211-4d1e-a72b-3f57084d94fd" providerId="ADAL" clId="{B78FAE23-380A-4AB3-8EA1-350E19EEBF4D}" dt="2023-08-23T00:00:56.010" v="1219" actId="207"/>
+          <ac:spMkLst>
+            <pc:docMk/>
+            <pc:sldMk cId="967288255" sldId="257"/>
+            <ac:spMk id="4" creationId="{23346B3C-D497-1E92-784A-67C029A660FA}"/>
+          </ac:spMkLst>
+        </pc:spChg>
+        <pc:spChg chg="add del">
+          <ac:chgData name="Wang, Xin" userId="de5fe87c-0211-4d1e-a72b-3f57084d94fd" providerId="ADAL" clId="{B78FAE23-380A-4AB3-8EA1-350E19EEBF4D}" dt="2023-08-22T16:23:24.408" v="804" actId="478"/>
+          <ac:spMkLst>
+            <pc:docMk/>
+            <pc:sldMk cId="967288255" sldId="257"/>
+            <ac:spMk id="5" creationId="{FD1CDD71-8CCB-BFB4-8E2A-C87E55916D34}"/>
+          </ac:spMkLst>
+        </pc:spChg>
+        <pc:picChg chg="add del mod">
+          <ac:chgData name="Wang, Xin" userId="de5fe87c-0211-4d1e-a72b-3f57084d94fd" providerId="ADAL" clId="{B78FAE23-380A-4AB3-8EA1-350E19EEBF4D}" dt="2023-08-22T23:16:42.657" v="973" actId="478"/>
+          <ac:picMkLst>
+            <pc:docMk/>
+            <pc:sldMk cId="967288255" sldId="257"/>
+            <ac:picMk id="7" creationId="{1FB9CCDC-344D-8E55-72FF-0F09B40BF33E}"/>
+          </ac:picMkLst>
+        </pc:picChg>
+        <pc:picChg chg="add del mod">
+          <ac:chgData name="Wang, Xin" userId="de5fe87c-0211-4d1e-a72b-3f57084d94fd" providerId="ADAL" clId="{B78FAE23-380A-4AB3-8EA1-350E19EEBF4D}" dt="2023-08-22T23:40:03.204" v="1140" actId="21"/>
+          <ac:picMkLst>
+            <pc:docMk/>
+            <pc:sldMk cId="967288255" sldId="257"/>
+            <ac:picMk id="9" creationId="{FFC0F660-3551-2BF7-1630-D8EF656E52D2}"/>
+          </ac:picMkLst>
+        </pc:picChg>
+        <pc:picChg chg="add del mod">
+          <ac:chgData name="Wang, Xin" userId="de5fe87c-0211-4d1e-a72b-3f57084d94fd" providerId="ADAL" clId="{B78FAE23-380A-4AB3-8EA1-350E19EEBF4D}" dt="2023-08-22T16:26:29.091" v="818" actId="478"/>
+          <ac:picMkLst>
+            <pc:docMk/>
+            <pc:sldMk cId="967288255" sldId="257"/>
+            <ac:picMk id="11" creationId="{545AA487-304A-F255-9EFE-590DA405AC4C}"/>
+          </ac:picMkLst>
+        </pc:picChg>
+        <pc:picChg chg="add del mod">
+          <ac:chgData name="Wang, Xin" userId="de5fe87c-0211-4d1e-a72b-3f57084d94fd" providerId="ADAL" clId="{B78FAE23-380A-4AB3-8EA1-350E19EEBF4D}" dt="2023-08-22T23:40:03.204" v="1140" actId="21"/>
+          <ac:picMkLst>
+            <pc:docMk/>
+            <pc:sldMk cId="967288255" sldId="257"/>
+            <ac:picMk id="13" creationId="{AD92D775-A30B-150A-9277-E38A1EF7DF8D}"/>
+          </ac:picMkLst>
+        </pc:picChg>
+        <pc:picChg chg="add mod">
+          <ac:chgData name="Wang, Xin" userId="de5fe87c-0211-4d1e-a72b-3f57084d94fd" providerId="ADAL" clId="{B78FAE23-380A-4AB3-8EA1-350E19EEBF4D}" dt="2023-08-23T00:01:45.411" v="1225" actId="14100"/>
+          <ac:picMkLst>
+            <pc:docMk/>
+            <pc:sldMk cId="967288255" sldId="257"/>
+            <ac:picMk id="1026" creationId="{28FEA2B3-F576-06A4-63CB-82B14EF99A33}"/>
+          </ac:picMkLst>
+        </pc:picChg>
       </pc:sldChg>
-      <pc:sldChg chg="modSp new mod ord">
-        <pc:chgData name="Wang, Xin" userId="de5fe87c-0211-4d1e-a72b-3f57084d94fd" providerId="ADAL" clId="{75D24CDC-5D28-490D-94AE-481B27874891}" dt="2023-08-22T09:49:50.023" v="3540" actId="20577"/>
+      <pc:sldChg chg="modSp mod">
+        <pc:chgData name="Wang, Xin" userId="de5fe87c-0211-4d1e-a72b-3f57084d94fd" providerId="ADAL" clId="{B78FAE23-380A-4AB3-8EA1-350E19EEBF4D}" dt="2023-08-22T23:29:01.236" v="1001" actId="20577"/>
         <pc:sldMkLst>
           <pc:docMk/>
           <pc:sldMk cId="1671015255" sldId="258"/>
         </pc:sldMkLst>
         <pc:spChg chg="mod">
-          <ac:chgData name="Wang, Xin" userId="de5fe87c-0211-4d1e-a72b-3f57084d94fd" providerId="ADAL" clId="{75D24CDC-5D28-490D-94AE-481B27874891}" dt="2023-08-22T09:39:02.521" v="2979" actId="20577"/>
-          <ac:spMkLst>
-            <pc:docMk/>
-            <pc:sldMk cId="1671015255" sldId="258"/>
-            <ac:spMk id="2" creationId="{264DC8D4-4CA0-BF25-03C5-AC20B0C8132E}"/>
-          </ac:spMkLst>
-        </pc:spChg>
-        <pc:spChg chg="mod">
-          <ac:chgData name="Wang, Xin" userId="de5fe87c-0211-4d1e-a72b-3f57084d94fd" providerId="ADAL" clId="{75D24CDC-5D28-490D-94AE-481B27874891}" dt="2023-08-22T09:49:50.023" v="3540" actId="20577"/>
+          <ac:chgData name="Wang, Xin" userId="de5fe87c-0211-4d1e-a72b-3f57084d94fd" providerId="ADAL" clId="{B78FAE23-380A-4AB3-8EA1-350E19EEBF4D}" dt="2023-08-22T23:29:01.236" v="1001" actId="20577"/>
           <ac:spMkLst>
             <pc:docMk/>
             <pc:sldMk cId="1671015255" sldId="258"/>
@@ -199,45 +271,14 @@
           </ac:spMkLst>
         </pc:spChg>
       </pc:sldChg>
-      <pc:sldChg chg="modSp new del mod">
-        <pc:chgData name="Wang, Xin" userId="de5fe87c-0211-4d1e-a72b-3f57084d94fd" providerId="ADAL" clId="{75D24CDC-5D28-490D-94AE-481B27874891}" dt="2023-08-22T09:42:25.179" v="3175" actId="47"/>
-        <pc:sldMkLst>
-          <pc:docMk/>
-          <pc:sldMk cId="382172849" sldId="259"/>
-        </pc:sldMkLst>
-        <pc:spChg chg="mod">
-          <ac:chgData name="Wang, Xin" userId="de5fe87c-0211-4d1e-a72b-3f57084d94fd" providerId="ADAL" clId="{75D24CDC-5D28-490D-94AE-481B27874891}" dt="2023-08-22T08:54:11.614" v="1630" actId="20577"/>
-          <ac:spMkLst>
-            <pc:docMk/>
-            <pc:sldMk cId="382172849" sldId="259"/>
-            <ac:spMk id="2" creationId="{3160B086-F9E5-90FE-85B5-649DCE3E3455}"/>
-          </ac:spMkLst>
-        </pc:spChg>
-        <pc:spChg chg="mod">
-          <ac:chgData name="Wang, Xin" userId="de5fe87c-0211-4d1e-a72b-3f57084d94fd" providerId="ADAL" clId="{75D24CDC-5D28-490D-94AE-481B27874891}" dt="2023-08-22T06:16:17.489" v="446" actId="20577"/>
-          <ac:spMkLst>
-            <pc:docMk/>
-            <pc:sldMk cId="382172849" sldId="259"/>
-            <ac:spMk id="3" creationId="{EDE6F3EA-EE8B-42D8-405F-9C24788DA1BD}"/>
-          </ac:spMkLst>
-        </pc:spChg>
-      </pc:sldChg>
-      <pc:sldChg chg="modSp new mod ord">
-        <pc:chgData name="Wang, Xin" userId="de5fe87c-0211-4d1e-a72b-3f57084d94fd" providerId="ADAL" clId="{75D24CDC-5D28-490D-94AE-481B27874891}" dt="2023-08-22T09:12:56.399" v="2298" actId="20577"/>
+      <pc:sldChg chg="modSp mod">
+        <pc:chgData name="Wang, Xin" userId="de5fe87c-0211-4d1e-a72b-3f57084d94fd" providerId="ADAL" clId="{B78FAE23-380A-4AB3-8EA1-350E19EEBF4D}" dt="2023-08-22T13:51:51.650" v="674" actId="27636"/>
         <pc:sldMkLst>
           <pc:docMk/>
           <pc:sldMk cId="134587868" sldId="260"/>
         </pc:sldMkLst>
         <pc:spChg chg="mod">
-          <ac:chgData name="Wang, Xin" userId="de5fe87c-0211-4d1e-a72b-3f57084d94fd" providerId="ADAL" clId="{75D24CDC-5D28-490D-94AE-481B27874891}" dt="2023-08-22T07:08:41.847" v="876" actId="20577"/>
-          <ac:spMkLst>
-            <pc:docMk/>
-            <pc:sldMk cId="134587868" sldId="260"/>
-            <ac:spMk id="2" creationId="{3DF29927-7FA1-D402-8473-49E3D12100C5}"/>
-          </ac:spMkLst>
-        </pc:spChg>
-        <pc:spChg chg="mod">
-          <ac:chgData name="Wang, Xin" userId="de5fe87c-0211-4d1e-a72b-3f57084d94fd" providerId="ADAL" clId="{75D24CDC-5D28-490D-94AE-481B27874891}" dt="2023-08-22T09:12:56.399" v="2298" actId="20577"/>
+          <ac:chgData name="Wang, Xin" userId="de5fe87c-0211-4d1e-a72b-3f57084d94fd" providerId="ADAL" clId="{B78FAE23-380A-4AB3-8EA1-350E19EEBF4D}" dt="2023-08-22T13:51:51.650" v="674" actId="27636"/>
           <ac:spMkLst>
             <pc:docMk/>
             <pc:sldMk cId="134587868" sldId="260"/>
@@ -245,22 +286,14 @@
           </ac:spMkLst>
         </pc:spChg>
       </pc:sldChg>
-      <pc:sldChg chg="modSp new mod ord">
-        <pc:chgData name="Wang, Xin" userId="de5fe87c-0211-4d1e-a72b-3f57084d94fd" providerId="ADAL" clId="{75D24CDC-5D28-490D-94AE-481B27874891}" dt="2023-08-22T10:01:05.654" v="3650" actId="20577"/>
+      <pc:sldChg chg="modSp mod ord">
+        <pc:chgData name="Wang, Xin" userId="de5fe87c-0211-4d1e-a72b-3f57084d94fd" providerId="ADAL" clId="{B78FAE23-380A-4AB3-8EA1-350E19EEBF4D}" dt="2023-08-22T23:07:42.229" v="963" actId="20577"/>
         <pc:sldMkLst>
           <pc:docMk/>
           <pc:sldMk cId="1700451727" sldId="261"/>
         </pc:sldMkLst>
         <pc:spChg chg="mod">
-          <ac:chgData name="Wang, Xin" userId="de5fe87c-0211-4d1e-a72b-3f57084d94fd" providerId="ADAL" clId="{75D24CDC-5D28-490D-94AE-481B27874891}" dt="2023-08-22T09:20:50.413" v="2556" actId="20577"/>
-          <ac:spMkLst>
-            <pc:docMk/>
-            <pc:sldMk cId="1700451727" sldId="261"/>
-            <ac:spMk id="2" creationId="{634ABAEA-FA86-37F5-5346-5281F9FC6C5E}"/>
-          </ac:spMkLst>
-        </pc:spChg>
-        <pc:spChg chg="mod">
-          <ac:chgData name="Wang, Xin" userId="de5fe87c-0211-4d1e-a72b-3f57084d94fd" providerId="ADAL" clId="{75D24CDC-5D28-490D-94AE-481B27874891}" dt="2023-08-22T10:01:05.654" v="3650" actId="20577"/>
+          <ac:chgData name="Wang, Xin" userId="de5fe87c-0211-4d1e-a72b-3f57084d94fd" providerId="ADAL" clId="{B78FAE23-380A-4AB3-8EA1-350E19EEBF4D}" dt="2023-08-22T23:07:42.229" v="963" actId="20577"/>
           <ac:spMkLst>
             <pc:docMk/>
             <pc:sldMk cId="1700451727" sldId="261"/>
@@ -268,62 +301,54 @@
           </ac:spMkLst>
         </pc:spChg>
       </pc:sldChg>
-      <pc:sldChg chg="addSp delSp modSp new mod ord">
-        <pc:chgData name="Wang, Xin" userId="de5fe87c-0211-4d1e-a72b-3f57084d94fd" providerId="ADAL" clId="{75D24CDC-5D28-490D-94AE-481B27874891}" dt="2023-08-22T08:10:54.649" v="1546"/>
+      <pc:sldChg chg="addSp modSp mod">
+        <pc:chgData name="Wang, Xin" userId="de5fe87c-0211-4d1e-a72b-3f57084d94fd" providerId="ADAL" clId="{B78FAE23-380A-4AB3-8EA1-350E19EEBF4D}" dt="2023-08-22T23:27:23.690" v="983" actId="113"/>
         <pc:sldMkLst>
           <pc:docMk/>
           <pc:sldMk cId="1509891731" sldId="262"/>
         </pc:sldMkLst>
-        <pc:spChg chg="del">
-          <ac:chgData name="Wang, Xin" userId="de5fe87c-0211-4d1e-a72b-3f57084d94fd" providerId="ADAL" clId="{75D24CDC-5D28-490D-94AE-481B27874891}" dt="2023-08-22T08:02:02.353" v="1438" actId="478"/>
+        <pc:spChg chg="add mod">
+          <ac:chgData name="Wang, Xin" userId="de5fe87c-0211-4d1e-a72b-3f57084d94fd" providerId="ADAL" clId="{B78FAE23-380A-4AB3-8EA1-350E19EEBF4D}" dt="2023-08-22T23:01:14.123" v="952" actId="14100"/>
           <ac:spMkLst>
             <pc:docMk/>
             <pc:sldMk cId="1509891731" sldId="262"/>
-            <ac:spMk id="2" creationId="{86AA21BD-A289-2F6B-C977-D171F8F18157}"/>
+            <ac:spMk id="2" creationId="{CF1FD26B-95BC-E25D-9A60-C87E32D729DE}"/>
           </ac:spMkLst>
         </pc:spChg>
-        <pc:spChg chg="del mod">
-          <ac:chgData name="Wang, Xin" userId="de5fe87c-0211-4d1e-a72b-3f57084d94fd" providerId="ADAL" clId="{75D24CDC-5D28-490D-94AE-481B27874891}" dt="2023-08-22T08:02:05.510" v="1439" actId="478"/>
-          <ac:spMkLst>
-            <pc:docMk/>
-            <pc:sldMk cId="1509891731" sldId="262"/>
-            <ac:spMk id="3" creationId="{FEE4606B-7180-51B3-E107-E42ED4AEDB98}"/>
-          </ac:spMkLst>
-        </pc:spChg>
-        <pc:spChg chg="add mod">
-          <ac:chgData name="Wang, Xin" userId="de5fe87c-0211-4d1e-a72b-3f57084d94fd" providerId="ADAL" clId="{75D24CDC-5D28-490D-94AE-481B27874891}" dt="2023-08-22T08:06:47.082" v="1479" actId="1076"/>
+        <pc:spChg chg="mod">
+          <ac:chgData name="Wang, Xin" userId="de5fe87c-0211-4d1e-a72b-3f57084d94fd" providerId="ADAL" clId="{B78FAE23-380A-4AB3-8EA1-350E19EEBF4D}" dt="2023-08-22T23:01:05.825" v="950" actId="1076"/>
           <ac:spMkLst>
             <pc:docMk/>
             <pc:sldMk cId="1509891731" sldId="262"/>
             <ac:spMk id="5" creationId="{C090E4DB-6507-855C-C5C5-65CE99F2030D}"/>
           </ac:spMkLst>
         </pc:spChg>
-        <pc:spChg chg="add mod">
-          <ac:chgData name="Wang, Xin" userId="de5fe87c-0211-4d1e-a72b-3f57084d94fd" providerId="ADAL" clId="{75D24CDC-5D28-490D-94AE-481B27874891}" dt="2023-08-22T08:10:14.088" v="1544" actId="113"/>
+        <pc:spChg chg="mod">
+          <ac:chgData name="Wang, Xin" userId="de5fe87c-0211-4d1e-a72b-3f57084d94fd" providerId="ADAL" clId="{B78FAE23-380A-4AB3-8EA1-350E19EEBF4D}" dt="2023-08-22T23:01:05.825" v="950" actId="1076"/>
           <ac:spMkLst>
             <pc:docMk/>
             <pc:sldMk cId="1509891731" sldId="262"/>
             <ac:spMk id="7" creationId="{2701DF09-0707-7E1F-CD53-B5D72DE161AE}"/>
           </ac:spMkLst>
         </pc:spChg>
-        <pc:spChg chg="add mod">
-          <ac:chgData name="Wang, Xin" userId="de5fe87c-0211-4d1e-a72b-3f57084d94fd" providerId="ADAL" clId="{75D24CDC-5D28-490D-94AE-481B27874891}" dt="2023-08-22T08:07:29.931" v="1482" actId="404"/>
+        <pc:spChg chg="mod">
+          <ac:chgData name="Wang, Xin" userId="de5fe87c-0211-4d1e-a72b-3f57084d94fd" providerId="ADAL" clId="{B78FAE23-380A-4AB3-8EA1-350E19EEBF4D}" dt="2023-08-22T23:01:09.922" v="951" actId="1076"/>
           <ac:spMkLst>
             <pc:docMk/>
             <pc:sldMk cId="1509891731" sldId="262"/>
             <ac:spMk id="9" creationId="{C7857C50-CE24-D7E6-0479-39B6B00A7391}"/>
           </ac:spMkLst>
         </pc:spChg>
-        <pc:spChg chg="add mod">
-          <ac:chgData name="Wang, Xin" userId="de5fe87c-0211-4d1e-a72b-3f57084d94fd" providerId="ADAL" clId="{75D24CDC-5D28-490D-94AE-481B27874891}" dt="2023-08-22T08:09:55.146" v="1534" actId="20577"/>
+        <pc:spChg chg="mod">
+          <ac:chgData name="Wang, Xin" userId="de5fe87c-0211-4d1e-a72b-3f57084d94fd" providerId="ADAL" clId="{B78FAE23-380A-4AB3-8EA1-350E19EEBF4D}" dt="2023-08-22T23:27:23.690" v="983" actId="113"/>
           <ac:spMkLst>
             <pc:docMk/>
             <pc:sldMk cId="1509891731" sldId="262"/>
             <ac:spMk id="10" creationId="{31E37CEF-EAB0-A329-50B5-71DEAE4D7C5A}"/>
           </ac:spMkLst>
         </pc:spChg>
-        <pc:spChg chg="add mod">
-          <ac:chgData name="Wang, Xin" userId="de5fe87c-0211-4d1e-a72b-3f57084d94fd" providerId="ADAL" clId="{75D24CDC-5D28-490D-94AE-481B27874891}" dt="2023-08-22T08:09:59.566" v="1542" actId="20577"/>
+        <pc:spChg chg="mod">
+          <ac:chgData name="Wang, Xin" userId="de5fe87c-0211-4d1e-a72b-3f57084d94fd" providerId="ADAL" clId="{B78FAE23-380A-4AB3-8EA1-350E19EEBF4D}" dt="2023-08-22T23:27:19.384" v="981" actId="207"/>
           <ac:spMkLst>
             <pc:docMk/>
             <pc:sldMk cId="1509891731" sldId="262"/>
@@ -331,115 +356,29 @@
           </ac:spMkLst>
         </pc:spChg>
       </pc:sldChg>
-      <pc:sldChg chg="addSp delSp modSp new mod ord">
-        <pc:chgData name="Wang, Xin" userId="de5fe87c-0211-4d1e-a72b-3f57084d94fd" providerId="ADAL" clId="{75D24CDC-5D28-490D-94AE-481B27874891}" dt="2023-08-22T09:58:37.456" v="3643" actId="20577"/>
-        <pc:sldMkLst>
-          <pc:docMk/>
-          <pc:sldMk cId="1660229097" sldId="263"/>
-        </pc:sldMkLst>
-        <pc:spChg chg="mod">
-          <ac:chgData name="Wang, Xin" userId="de5fe87c-0211-4d1e-a72b-3f57084d94fd" providerId="ADAL" clId="{75D24CDC-5D28-490D-94AE-481B27874891}" dt="2023-08-22T09:42:50.454" v="3215" actId="20577"/>
-          <ac:spMkLst>
-            <pc:docMk/>
-            <pc:sldMk cId="1660229097" sldId="263"/>
-            <ac:spMk id="2" creationId="{BE400EDE-9915-BF23-F8A0-338663B6A45A}"/>
-          </ac:spMkLst>
-        </pc:spChg>
-        <pc:spChg chg="del">
-          <ac:chgData name="Wang, Xin" userId="de5fe87c-0211-4d1e-a72b-3f57084d94fd" providerId="ADAL" clId="{75D24CDC-5D28-490D-94AE-481B27874891}" dt="2023-08-22T08:17:55.440" v="1548" actId="478"/>
-          <ac:spMkLst>
-            <pc:docMk/>
-            <pc:sldMk cId="1660229097" sldId="263"/>
-            <ac:spMk id="3" creationId="{264FC481-AE46-C2E8-8E6F-D047D5818C51}"/>
-          </ac:spMkLst>
-        </pc:spChg>
-        <pc:spChg chg="add del mod">
-          <ac:chgData name="Wang, Xin" userId="de5fe87c-0211-4d1e-a72b-3f57084d94fd" providerId="ADAL" clId="{75D24CDC-5D28-490D-94AE-481B27874891}" dt="2023-08-22T09:47:19.339" v="3430" actId="478"/>
-          <ac:spMkLst>
-            <pc:docMk/>
-            <pc:sldMk cId="1660229097" sldId="263"/>
-            <ac:spMk id="5" creationId="{8AC59E21-5F2E-A608-3F45-34E00465475B}"/>
-          </ac:spMkLst>
-        </pc:spChg>
-        <pc:spChg chg="add mod">
-          <ac:chgData name="Wang, Xin" userId="de5fe87c-0211-4d1e-a72b-3f57084d94fd" providerId="ADAL" clId="{75D24CDC-5D28-490D-94AE-481B27874891}" dt="2023-08-22T09:58:37.456" v="3643" actId="20577"/>
-          <ac:spMkLst>
-            <pc:docMk/>
-            <pc:sldMk cId="1660229097" sldId="263"/>
-            <ac:spMk id="6" creationId="{6AC5F8F3-5CD5-EF74-0E20-FC54CB11C3D0}"/>
-          </ac:spMkLst>
-        </pc:spChg>
-        <pc:picChg chg="add mod">
-          <ac:chgData name="Wang, Xin" userId="de5fe87c-0211-4d1e-a72b-3f57084d94fd" providerId="ADAL" clId="{75D24CDC-5D28-490D-94AE-481B27874891}" dt="2023-08-22T09:47:22.462" v="3431" actId="1076"/>
-          <ac:picMkLst>
-            <pc:docMk/>
-            <pc:sldMk cId="1660229097" sldId="263"/>
-            <ac:picMk id="1026" creationId="{EA9CDD83-EC0D-26EB-AC3B-0C21F67654F7}"/>
-          </ac:picMkLst>
-        </pc:picChg>
-      </pc:sldChg>
-      <pc:sldChg chg="addSp delSp modSp new mod">
-        <pc:chgData name="Wang, Xin" userId="de5fe87c-0211-4d1e-a72b-3f57084d94fd" providerId="ADAL" clId="{75D24CDC-5D28-490D-94AE-481B27874891}" dt="2023-08-22T08:51:39.949" v="1573" actId="1076"/>
+      <pc:sldChg chg="del">
+        <pc:chgData name="Wang, Xin" userId="de5fe87c-0211-4d1e-a72b-3f57084d94fd" providerId="ADAL" clId="{B78FAE23-380A-4AB3-8EA1-350E19EEBF4D}" dt="2023-08-22T13:39:20.600" v="672" actId="47"/>
         <pc:sldMkLst>
           <pc:docMk/>
           <pc:sldMk cId="3292036399" sldId="264"/>
         </pc:sldMkLst>
-        <pc:spChg chg="mod">
-          <ac:chgData name="Wang, Xin" userId="de5fe87c-0211-4d1e-a72b-3f57084d94fd" providerId="ADAL" clId="{75D24CDC-5D28-490D-94AE-481B27874891}" dt="2023-08-22T08:51:39.949" v="1573" actId="1076"/>
-          <ac:spMkLst>
-            <pc:docMk/>
-            <pc:sldMk cId="3292036399" sldId="264"/>
-            <ac:spMk id="2" creationId="{020B73C8-9995-081E-B4EE-9F9591351355}"/>
-          </ac:spMkLst>
-        </pc:spChg>
-        <pc:spChg chg="del">
-          <ac:chgData name="Wang, Xin" userId="de5fe87c-0211-4d1e-a72b-3f57084d94fd" providerId="ADAL" clId="{75D24CDC-5D28-490D-94AE-481B27874891}" dt="2023-08-22T08:44:58.299" v="1561" actId="478"/>
-          <ac:spMkLst>
-            <pc:docMk/>
-            <pc:sldMk cId="3292036399" sldId="264"/>
-            <ac:spMk id="3" creationId="{75056CB6-0C14-3AB5-455F-403D9D0EE678}"/>
-          </ac:spMkLst>
-        </pc:spChg>
-        <pc:spChg chg="add mod">
-          <ac:chgData name="Wang, Xin" userId="de5fe87c-0211-4d1e-a72b-3f57084d94fd" providerId="ADAL" clId="{75D24CDC-5D28-490D-94AE-481B27874891}" dt="2023-08-22T08:49:56.162" v="1570" actId="1076"/>
-          <ac:spMkLst>
-            <pc:docMk/>
-            <pc:sldMk cId="3292036399" sldId="264"/>
-            <ac:spMk id="5" creationId="{17AB782D-786A-9250-9422-1A99C4E14990}"/>
-          </ac:spMkLst>
-        </pc:spChg>
       </pc:sldChg>
-      <pc:sldChg chg="modSp new mod ord">
-        <pc:chgData name="Wang, Xin" userId="de5fe87c-0211-4d1e-a72b-3f57084d94fd" providerId="ADAL" clId="{75D24CDC-5D28-490D-94AE-481B27874891}" dt="2023-08-22T09:37:10.459" v="2914" actId="27636"/>
-        <pc:sldMkLst>
-          <pc:docMk/>
-          <pc:sldMk cId="1462737256" sldId="265"/>
-        </pc:sldMkLst>
-        <pc:spChg chg="mod">
-          <ac:chgData name="Wang, Xin" userId="de5fe87c-0211-4d1e-a72b-3f57084d94fd" providerId="ADAL" clId="{75D24CDC-5D28-490D-94AE-481B27874891}" dt="2023-08-22T08:58:03.445" v="1937" actId="20577"/>
-          <ac:spMkLst>
-            <pc:docMk/>
-            <pc:sldMk cId="1462737256" sldId="265"/>
-            <ac:spMk id="2" creationId="{38805D7E-1F38-2CE3-1666-D835B82568A4}"/>
-          </ac:spMkLst>
-        </pc:spChg>
-        <pc:spChg chg="mod">
-          <ac:chgData name="Wang, Xin" userId="de5fe87c-0211-4d1e-a72b-3f57084d94fd" providerId="ADAL" clId="{75D24CDC-5D28-490D-94AE-481B27874891}" dt="2023-08-22T09:37:10.459" v="2914" actId="27636"/>
-          <ac:spMkLst>
-            <pc:docMk/>
-            <pc:sldMk cId="1462737256" sldId="265"/>
-            <ac:spMk id="3" creationId="{AF07426A-C306-1D7F-186A-3FE5FCB2790E}"/>
-          </ac:spMkLst>
-        </pc:spChg>
-      </pc:sldChg>
-      <pc:sldChg chg="modSp new mod">
-        <pc:chgData name="Wang, Xin" userId="de5fe87c-0211-4d1e-a72b-3f57084d94fd" providerId="ADAL" clId="{75D24CDC-5D28-490D-94AE-481B27874891}" dt="2023-08-22T09:57:28.866" v="3583" actId="20577"/>
+      <pc:sldChg chg="modSp mod">
+        <pc:chgData name="Wang, Xin" userId="de5fe87c-0211-4d1e-a72b-3f57084d94fd" providerId="ADAL" clId="{B78FAE23-380A-4AB3-8EA1-350E19EEBF4D}" dt="2023-08-22T14:32:10.781" v="788" actId="20577"/>
         <pc:sldMkLst>
           <pc:docMk/>
           <pc:sldMk cId="3680878811" sldId="266"/>
         </pc:sldMkLst>
         <pc:spChg chg="mod">
-          <ac:chgData name="Wang, Xin" userId="de5fe87c-0211-4d1e-a72b-3f57084d94fd" providerId="ADAL" clId="{75D24CDC-5D28-490D-94AE-481B27874891}" dt="2023-08-22T09:57:28.866" v="3583" actId="20577"/>
+          <ac:chgData name="Wang, Xin" userId="de5fe87c-0211-4d1e-a72b-3f57084d94fd" providerId="ADAL" clId="{B78FAE23-380A-4AB3-8EA1-350E19EEBF4D}" dt="2023-08-22T13:28:10.383" v="82" actId="20577"/>
+          <ac:spMkLst>
+            <pc:docMk/>
+            <pc:sldMk cId="3680878811" sldId="266"/>
+            <ac:spMk id="2" creationId="{A6CA6140-B61A-5326-558A-B0C388033216}"/>
+          </ac:spMkLst>
+        </pc:spChg>
+        <pc:spChg chg="mod">
+          <ac:chgData name="Wang, Xin" userId="de5fe87c-0211-4d1e-a72b-3f57084d94fd" providerId="ADAL" clId="{B78FAE23-380A-4AB3-8EA1-350E19EEBF4D}" dt="2023-08-22T14:32:10.781" v="788" actId="20577"/>
           <ac:spMkLst>
             <pc:docMk/>
             <pc:sldMk cId="3680878811" sldId="266"/>
@@ -447,53 +386,85 @@
           </ac:spMkLst>
         </pc:spChg>
       </pc:sldChg>
-      <pc:sldMasterChg chg="modSp">
-        <pc:chgData name="Wang, Xin" userId="de5fe87c-0211-4d1e-a72b-3f57084d94fd" providerId="ADAL" clId="{75D24CDC-5D28-490D-94AE-481B27874891}" dt="2023-08-22T05:22:32.129" v="1" actId="2711"/>
-        <pc:sldMasterMkLst>
+      <pc:sldChg chg="addSp delSp modSp new mod">
+        <pc:chgData name="Wang, Xin" userId="de5fe87c-0211-4d1e-a72b-3f57084d94fd" providerId="ADAL" clId="{B78FAE23-380A-4AB3-8EA1-350E19EEBF4D}" dt="2023-08-22T23:42:09.546" v="1199" actId="14100"/>
+        <pc:sldMkLst>
           <pc:docMk/>
-          <pc:sldMasterMk cId="3441967176" sldId="2147483648"/>
-        </pc:sldMasterMkLst>
+          <pc:sldMk cId="153857132" sldId="267"/>
+        </pc:sldMkLst>
         <pc:spChg chg="mod">
-          <ac:chgData name="Wang, Xin" userId="de5fe87c-0211-4d1e-a72b-3f57084d94fd" providerId="ADAL" clId="{75D24CDC-5D28-490D-94AE-481B27874891}" dt="2023-08-22T05:22:32.129" v="1" actId="2711"/>
+          <ac:chgData name="Wang, Xin" userId="de5fe87c-0211-4d1e-a72b-3f57084d94fd" providerId="ADAL" clId="{B78FAE23-380A-4AB3-8EA1-350E19EEBF4D}" dt="2023-08-22T23:41:24.420" v="1183" actId="14100"/>
           <ac:spMkLst>
             <pc:docMk/>
-            <pc:sldMasterMk cId="3441967176" sldId="2147483648"/>
-            <ac:spMk id="2" creationId="{DF3904E4-71C0-94AE-7206-E9EEB02460A7}"/>
+            <pc:sldMk cId="153857132" sldId="267"/>
+            <ac:spMk id="2" creationId="{AACE49FF-5715-5312-7C27-DD9ED28649A2}"/>
           </ac:spMkLst>
         </pc:spChg>
-        <pc:spChg chg="mod">
-          <ac:chgData name="Wang, Xin" userId="de5fe87c-0211-4d1e-a72b-3f57084d94fd" providerId="ADAL" clId="{75D24CDC-5D28-490D-94AE-481B27874891}" dt="2023-08-22T05:22:32.129" v="1" actId="2711"/>
+        <pc:spChg chg="del">
+          <ac:chgData name="Wang, Xin" userId="de5fe87c-0211-4d1e-a72b-3f57084d94fd" providerId="ADAL" clId="{B78FAE23-380A-4AB3-8EA1-350E19EEBF4D}" dt="2023-08-22T23:36:43.837" v="1015" actId="478"/>
           <ac:spMkLst>
             <pc:docMk/>
-            <pc:sldMasterMk cId="3441967176" sldId="2147483648"/>
-            <ac:spMk id="3" creationId="{EB40AA25-71B2-C1A5-1BA8-48830D67ECA4}"/>
+            <pc:sldMk cId="153857132" sldId="267"/>
+            <ac:spMk id="3" creationId="{63057A95-F94B-C96A-81B6-DCA20AA62464}"/>
           </ac:spMkLst>
         </pc:spChg>
-        <pc:spChg chg="mod">
-          <ac:chgData name="Wang, Xin" userId="de5fe87c-0211-4d1e-a72b-3f57084d94fd" providerId="ADAL" clId="{75D24CDC-5D28-490D-94AE-481B27874891}" dt="2023-08-22T05:22:32.129" v="1" actId="2711"/>
+        <pc:spChg chg="add mod">
+          <ac:chgData name="Wang, Xin" userId="de5fe87c-0211-4d1e-a72b-3f57084d94fd" providerId="ADAL" clId="{B78FAE23-380A-4AB3-8EA1-350E19EEBF4D}" dt="2023-08-22T23:41:58.398" v="1196" actId="1076"/>
           <ac:spMkLst>
             <pc:docMk/>
-            <pc:sldMasterMk cId="3441967176" sldId="2147483648"/>
-            <ac:spMk id="4" creationId="{B7A25D3C-D5A7-E6A5-808A-CF494253F2B6}"/>
+            <pc:sldMk cId="153857132" sldId="267"/>
+            <ac:spMk id="5" creationId="{32D3DB09-DC2B-1313-0924-D466FAFE14B1}"/>
           </ac:spMkLst>
         </pc:spChg>
-        <pc:spChg chg="mod">
-          <ac:chgData name="Wang, Xin" userId="de5fe87c-0211-4d1e-a72b-3f57084d94fd" providerId="ADAL" clId="{75D24CDC-5D28-490D-94AE-481B27874891}" dt="2023-08-22T05:22:32.129" v="1" actId="2711"/>
+        <pc:spChg chg="add mod">
+          <ac:chgData name="Wang, Xin" userId="de5fe87c-0211-4d1e-a72b-3f57084d94fd" providerId="ADAL" clId="{B78FAE23-380A-4AB3-8EA1-350E19EEBF4D}" dt="2023-08-22T23:42:09.546" v="1199" actId="14100"/>
           <ac:spMkLst>
             <pc:docMk/>
-            <pc:sldMasterMk cId="3441967176" sldId="2147483648"/>
-            <ac:spMk id="5" creationId="{13C965AF-A7FF-F876-1319-B8EB9F9F8E96}"/>
+            <pc:sldMk cId="153857132" sldId="267"/>
+            <ac:spMk id="6" creationId="{C75CB7C2-F080-C01E-FFAE-BDFC647C36DD}"/>
           </ac:spMkLst>
         </pc:spChg>
-        <pc:spChg chg="mod">
-          <ac:chgData name="Wang, Xin" userId="de5fe87c-0211-4d1e-a72b-3f57084d94fd" providerId="ADAL" clId="{75D24CDC-5D28-490D-94AE-481B27874891}" dt="2023-08-22T05:22:32.129" v="1" actId="2711"/>
+        <pc:spChg chg="add mod">
+          <ac:chgData name="Wang, Xin" userId="de5fe87c-0211-4d1e-a72b-3f57084d94fd" providerId="ADAL" clId="{B78FAE23-380A-4AB3-8EA1-350E19EEBF4D}" dt="2023-08-22T23:42:01.582" v="1197" actId="1076"/>
           <ac:spMkLst>
             <pc:docMk/>
-            <pc:sldMasterMk cId="3441967176" sldId="2147483648"/>
-            <ac:spMk id="6" creationId="{FD35D4C2-B9E2-9195-8AB7-EDE1EC8008FC}"/>
+            <pc:sldMk cId="153857132" sldId="267"/>
+            <ac:spMk id="10" creationId="{4C77C48E-1AA7-6E88-2E0E-81D903F0FB14}"/>
           </ac:spMkLst>
         </pc:spChg>
-      </pc:sldMasterChg>
+        <pc:spChg chg="add mod">
+          <ac:chgData name="Wang, Xin" userId="de5fe87c-0211-4d1e-a72b-3f57084d94fd" providerId="ADAL" clId="{B78FAE23-380A-4AB3-8EA1-350E19EEBF4D}" dt="2023-08-22T23:40:58.496" v="1170" actId="14100"/>
+          <ac:spMkLst>
+            <pc:docMk/>
+            <pc:sldMk cId="153857132" sldId="267"/>
+            <ac:spMk id="11" creationId="{CB8612F4-659E-6CEB-AD5C-73A47F305CB9}"/>
+          </ac:spMkLst>
+        </pc:spChg>
+        <pc:spChg chg="add mod">
+          <ac:chgData name="Wang, Xin" userId="de5fe87c-0211-4d1e-a72b-3f57084d94fd" providerId="ADAL" clId="{B78FAE23-380A-4AB3-8EA1-350E19EEBF4D}" dt="2023-08-22T23:41:09.338" v="1178" actId="20577"/>
+          <ac:spMkLst>
+            <pc:docMk/>
+            <pc:sldMk cId="153857132" sldId="267"/>
+            <ac:spMk id="12" creationId="{DFC51312-F4A0-2171-89AE-ED0BDE986FE7}"/>
+          </ac:spMkLst>
+        </pc:spChg>
+        <pc:picChg chg="add mod">
+          <ac:chgData name="Wang, Xin" userId="de5fe87c-0211-4d1e-a72b-3f57084d94fd" providerId="ADAL" clId="{B78FAE23-380A-4AB3-8EA1-350E19EEBF4D}" dt="2023-08-22T23:41:19.555" v="1181" actId="1076"/>
+          <ac:picMkLst>
+            <pc:docMk/>
+            <pc:sldMk cId="153857132" sldId="267"/>
+            <ac:picMk id="7" creationId="{1E893A80-1698-D6CF-53B4-546E921F69F1}"/>
+          </ac:picMkLst>
+        </pc:picChg>
+        <pc:picChg chg="add mod">
+          <ac:chgData name="Wang, Xin" userId="de5fe87c-0211-4d1e-a72b-3f57084d94fd" providerId="ADAL" clId="{B78FAE23-380A-4AB3-8EA1-350E19EEBF4D}" dt="2023-08-22T23:41:15.976" v="1180" actId="1076"/>
+          <ac:picMkLst>
+            <pc:docMk/>
+            <pc:sldMk cId="153857132" sldId="267"/>
+            <ac:picMk id="8" creationId="{4B4DCCE7-39AA-2DFB-77E5-A1FEB7E78934}"/>
+          </ac:picMkLst>
+        </pc:picChg>
+      </pc:sldChg>
     </pc:docChg>
   </pc:docChgLst>
   <pc:docChgLst>
@@ -1248,130 +1219,58 @@
     </pc:docChg>
   </pc:docChgLst>
   <pc:docChgLst>
-    <pc:chgData name="Wang, Xin" userId="de5fe87c-0211-4d1e-a72b-3f57084d94fd" providerId="ADAL" clId="{B78FAE23-380A-4AB3-8EA1-350E19EEBF4D}"/>
-    <pc:docChg chg="custSel addSld delSld modSld sldOrd">
-      <pc:chgData name="Wang, Xin" userId="de5fe87c-0211-4d1e-a72b-3f57084d94fd" providerId="ADAL" clId="{B78FAE23-380A-4AB3-8EA1-350E19EEBF4D}" dt="2023-08-23T00:02:09.831" v="1239" actId="20577"/>
+    <pc:chgData name="Wang, Xin" userId="de5fe87c-0211-4d1e-a72b-3f57084d94fd" providerId="ADAL" clId="{75D24CDC-5D28-490D-94AE-481B27874891}"/>
+    <pc:docChg chg="custSel addSld delSld modSld sldOrd modMainMaster">
+      <pc:chgData name="Wang, Xin" userId="de5fe87c-0211-4d1e-a72b-3f57084d94fd" providerId="ADAL" clId="{75D24CDC-5D28-490D-94AE-481B27874891}" dt="2023-08-22T10:01:05.654" v="3650" actId="20577"/>
       <pc:docMkLst>
         <pc:docMk/>
       </pc:docMkLst>
-      <pc:sldChg chg="modSp mod">
-        <pc:chgData name="Wang, Xin" userId="de5fe87c-0211-4d1e-a72b-3f57084d94fd" providerId="ADAL" clId="{B78FAE23-380A-4AB3-8EA1-350E19EEBF4D}" dt="2023-08-23T00:02:09.831" v="1239" actId="20577"/>
+      <pc:sldChg chg="new">
+        <pc:chgData name="Wang, Xin" userId="de5fe87c-0211-4d1e-a72b-3f57084d94fd" providerId="ADAL" clId="{75D24CDC-5D28-490D-94AE-481B27874891}" dt="2023-08-22T05:21:31.653" v="0" actId="680"/>
         <pc:sldMkLst>
           <pc:docMk/>
           <pc:sldMk cId="2609094379" sldId="256"/>
         </pc:sldMkLst>
-        <pc:spChg chg="mod">
-          <ac:chgData name="Wang, Xin" userId="de5fe87c-0211-4d1e-a72b-3f57084d94fd" providerId="ADAL" clId="{B78FAE23-380A-4AB3-8EA1-350E19EEBF4D}" dt="2023-08-23T00:02:09.831" v="1239" actId="20577"/>
-          <ac:spMkLst>
-            <pc:docMk/>
-            <pc:sldMk cId="2609094379" sldId="256"/>
-            <ac:spMk id="2" creationId="{A6FB08D4-410F-2C89-32C8-2676BA39FDD0}"/>
-          </ac:spMkLst>
-        </pc:spChg>
-        <pc:spChg chg="mod">
-          <ac:chgData name="Wang, Xin" userId="de5fe87c-0211-4d1e-a72b-3f57084d94fd" providerId="ADAL" clId="{B78FAE23-380A-4AB3-8EA1-350E19EEBF4D}" dt="2023-08-22T23:44:02.673" v="1210" actId="20577"/>
-          <ac:spMkLst>
-            <pc:docMk/>
-            <pc:sldMk cId="2609094379" sldId="256"/>
-            <ac:spMk id="3" creationId="{38EF27F5-CFA2-212D-35D5-8A8097E7D4F1}"/>
-          </ac:spMkLst>
-        </pc:spChg>
       </pc:sldChg>
-      <pc:sldChg chg="addSp delSp modSp mod modNotesTx">
-        <pc:chgData name="Wang, Xin" userId="de5fe87c-0211-4d1e-a72b-3f57084d94fd" providerId="ADAL" clId="{B78FAE23-380A-4AB3-8EA1-350E19EEBF4D}" dt="2023-08-23T00:01:45.411" v="1225" actId="14100"/>
+      <pc:sldChg chg="modSp new mod">
+        <pc:chgData name="Wang, Xin" userId="de5fe87c-0211-4d1e-a72b-3f57084d94fd" providerId="ADAL" clId="{75D24CDC-5D28-490D-94AE-481B27874891}" dt="2023-08-22T06:12:12.051" v="354" actId="21"/>
         <pc:sldMkLst>
           <pc:docMk/>
           <pc:sldMk cId="967288255" sldId="257"/>
         </pc:sldMkLst>
         <pc:spChg chg="mod">
-          <ac:chgData name="Wang, Xin" userId="de5fe87c-0211-4d1e-a72b-3f57084d94fd" providerId="ADAL" clId="{B78FAE23-380A-4AB3-8EA1-350E19EEBF4D}" dt="2023-08-22T22:58:27.193" v="909" actId="1076"/>
+          <ac:chgData name="Wang, Xin" userId="de5fe87c-0211-4d1e-a72b-3f57084d94fd" providerId="ADAL" clId="{75D24CDC-5D28-490D-94AE-481B27874891}" dt="2023-08-22T05:27:35.533" v="38" actId="20577"/>
           <ac:spMkLst>
             <pc:docMk/>
             <pc:sldMk cId="967288255" sldId="257"/>
             <ac:spMk id="2" creationId="{AB5BFF92-E5C5-C7C0-3CE4-DA5679354DC4}"/>
           </ac:spMkLst>
         </pc:spChg>
-        <pc:spChg chg="del mod">
-          <ac:chgData name="Wang, Xin" userId="de5fe87c-0211-4d1e-a72b-3f57084d94fd" providerId="ADAL" clId="{B78FAE23-380A-4AB3-8EA1-350E19EEBF4D}" dt="2023-08-22T13:53:34.784" v="700" actId="478"/>
+        <pc:spChg chg="mod">
+          <ac:chgData name="Wang, Xin" userId="de5fe87c-0211-4d1e-a72b-3f57084d94fd" providerId="ADAL" clId="{75D24CDC-5D28-490D-94AE-481B27874891}" dt="2023-08-22T06:12:12.051" v="354" actId="21"/>
           <ac:spMkLst>
             <pc:docMk/>
             <pc:sldMk cId="967288255" sldId="257"/>
             <ac:spMk id="3" creationId="{06A98C76-21C3-A17C-79B6-8B880E8F2F37}"/>
           </ac:spMkLst>
         </pc:spChg>
-        <pc:spChg chg="add del mod">
-          <ac:chgData name="Wang, Xin" userId="de5fe87c-0211-4d1e-a72b-3f57084d94fd" providerId="ADAL" clId="{B78FAE23-380A-4AB3-8EA1-350E19EEBF4D}" dt="2023-08-22T23:59:51.166" v="1212" actId="478"/>
-          <ac:spMkLst>
-            <pc:docMk/>
-            <pc:sldMk cId="967288255" sldId="257"/>
-            <ac:spMk id="3" creationId="{4227B70F-9B4B-8B74-1C7E-23FA3A9D284F}"/>
-          </ac:spMkLst>
-        </pc:spChg>
-        <pc:spChg chg="add mod">
-          <ac:chgData name="Wang, Xin" userId="de5fe87c-0211-4d1e-a72b-3f57084d94fd" providerId="ADAL" clId="{B78FAE23-380A-4AB3-8EA1-350E19EEBF4D}" dt="2023-08-23T00:00:56.010" v="1219" actId="207"/>
-          <ac:spMkLst>
-            <pc:docMk/>
-            <pc:sldMk cId="967288255" sldId="257"/>
-            <ac:spMk id="4" creationId="{23346B3C-D497-1E92-784A-67C029A660FA}"/>
-          </ac:spMkLst>
-        </pc:spChg>
-        <pc:spChg chg="add del">
-          <ac:chgData name="Wang, Xin" userId="de5fe87c-0211-4d1e-a72b-3f57084d94fd" providerId="ADAL" clId="{B78FAE23-380A-4AB3-8EA1-350E19EEBF4D}" dt="2023-08-22T16:23:24.408" v="804" actId="478"/>
-          <ac:spMkLst>
-            <pc:docMk/>
-            <pc:sldMk cId="967288255" sldId="257"/>
-            <ac:spMk id="5" creationId="{FD1CDD71-8CCB-BFB4-8E2A-C87E55916D34}"/>
-          </ac:spMkLst>
-        </pc:spChg>
-        <pc:picChg chg="add del mod">
-          <ac:chgData name="Wang, Xin" userId="de5fe87c-0211-4d1e-a72b-3f57084d94fd" providerId="ADAL" clId="{B78FAE23-380A-4AB3-8EA1-350E19EEBF4D}" dt="2023-08-22T23:16:42.657" v="973" actId="478"/>
-          <ac:picMkLst>
-            <pc:docMk/>
-            <pc:sldMk cId="967288255" sldId="257"/>
-            <ac:picMk id="7" creationId="{1FB9CCDC-344D-8E55-72FF-0F09B40BF33E}"/>
-          </ac:picMkLst>
-        </pc:picChg>
-        <pc:picChg chg="add del mod">
-          <ac:chgData name="Wang, Xin" userId="de5fe87c-0211-4d1e-a72b-3f57084d94fd" providerId="ADAL" clId="{B78FAE23-380A-4AB3-8EA1-350E19EEBF4D}" dt="2023-08-22T23:40:03.204" v="1140" actId="21"/>
-          <ac:picMkLst>
-            <pc:docMk/>
-            <pc:sldMk cId="967288255" sldId="257"/>
-            <ac:picMk id="9" creationId="{FFC0F660-3551-2BF7-1630-D8EF656E52D2}"/>
-          </ac:picMkLst>
-        </pc:picChg>
-        <pc:picChg chg="add del mod">
-          <ac:chgData name="Wang, Xin" userId="de5fe87c-0211-4d1e-a72b-3f57084d94fd" providerId="ADAL" clId="{B78FAE23-380A-4AB3-8EA1-350E19EEBF4D}" dt="2023-08-22T16:26:29.091" v="818" actId="478"/>
-          <ac:picMkLst>
-            <pc:docMk/>
-            <pc:sldMk cId="967288255" sldId="257"/>
-            <ac:picMk id="11" creationId="{545AA487-304A-F255-9EFE-590DA405AC4C}"/>
-          </ac:picMkLst>
-        </pc:picChg>
-        <pc:picChg chg="add del mod">
-          <ac:chgData name="Wang, Xin" userId="de5fe87c-0211-4d1e-a72b-3f57084d94fd" providerId="ADAL" clId="{B78FAE23-380A-4AB3-8EA1-350E19EEBF4D}" dt="2023-08-22T23:40:03.204" v="1140" actId="21"/>
-          <ac:picMkLst>
-            <pc:docMk/>
-            <pc:sldMk cId="967288255" sldId="257"/>
-            <ac:picMk id="13" creationId="{AD92D775-A30B-150A-9277-E38A1EF7DF8D}"/>
-          </ac:picMkLst>
-        </pc:picChg>
-        <pc:picChg chg="add mod">
-          <ac:chgData name="Wang, Xin" userId="de5fe87c-0211-4d1e-a72b-3f57084d94fd" providerId="ADAL" clId="{B78FAE23-380A-4AB3-8EA1-350E19EEBF4D}" dt="2023-08-23T00:01:45.411" v="1225" actId="14100"/>
-          <ac:picMkLst>
-            <pc:docMk/>
-            <pc:sldMk cId="967288255" sldId="257"/>
-            <ac:picMk id="1026" creationId="{28FEA2B3-F576-06A4-63CB-82B14EF99A33}"/>
-          </ac:picMkLst>
-        </pc:picChg>
       </pc:sldChg>
-      <pc:sldChg chg="modSp mod">
-        <pc:chgData name="Wang, Xin" userId="de5fe87c-0211-4d1e-a72b-3f57084d94fd" providerId="ADAL" clId="{B78FAE23-380A-4AB3-8EA1-350E19EEBF4D}" dt="2023-08-22T23:29:01.236" v="1001" actId="20577"/>
+      <pc:sldChg chg="modSp new mod ord">
+        <pc:chgData name="Wang, Xin" userId="de5fe87c-0211-4d1e-a72b-3f57084d94fd" providerId="ADAL" clId="{75D24CDC-5D28-490D-94AE-481B27874891}" dt="2023-08-22T09:49:50.023" v="3540" actId="20577"/>
         <pc:sldMkLst>
           <pc:docMk/>
           <pc:sldMk cId="1671015255" sldId="258"/>
         </pc:sldMkLst>
         <pc:spChg chg="mod">
-          <ac:chgData name="Wang, Xin" userId="de5fe87c-0211-4d1e-a72b-3f57084d94fd" providerId="ADAL" clId="{B78FAE23-380A-4AB3-8EA1-350E19EEBF4D}" dt="2023-08-22T23:29:01.236" v="1001" actId="20577"/>
+          <ac:chgData name="Wang, Xin" userId="de5fe87c-0211-4d1e-a72b-3f57084d94fd" providerId="ADAL" clId="{75D24CDC-5D28-490D-94AE-481B27874891}" dt="2023-08-22T09:39:02.521" v="2979" actId="20577"/>
+          <ac:spMkLst>
+            <pc:docMk/>
+            <pc:sldMk cId="1671015255" sldId="258"/>
+            <ac:spMk id="2" creationId="{264DC8D4-4CA0-BF25-03C5-AC20B0C8132E}"/>
+          </ac:spMkLst>
+        </pc:spChg>
+        <pc:spChg chg="mod">
+          <ac:chgData name="Wang, Xin" userId="de5fe87c-0211-4d1e-a72b-3f57084d94fd" providerId="ADAL" clId="{75D24CDC-5D28-490D-94AE-481B27874891}" dt="2023-08-22T09:49:50.023" v="3540" actId="20577"/>
           <ac:spMkLst>
             <pc:docMk/>
             <pc:sldMk cId="1671015255" sldId="258"/>
@@ -1379,14 +1278,45 @@
           </ac:spMkLst>
         </pc:spChg>
       </pc:sldChg>
-      <pc:sldChg chg="modSp mod">
-        <pc:chgData name="Wang, Xin" userId="de5fe87c-0211-4d1e-a72b-3f57084d94fd" providerId="ADAL" clId="{B78FAE23-380A-4AB3-8EA1-350E19EEBF4D}" dt="2023-08-22T13:51:51.650" v="674" actId="27636"/>
+      <pc:sldChg chg="modSp new del mod">
+        <pc:chgData name="Wang, Xin" userId="de5fe87c-0211-4d1e-a72b-3f57084d94fd" providerId="ADAL" clId="{75D24CDC-5D28-490D-94AE-481B27874891}" dt="2023-08-22T09:42:25.179" v="3175" actId="47"/>
+        <pc:sldMkLst>
+          <pc:docMk/>
+          <pc:sldMk cId="382172849" sldId="259"/>
+        </pc:sldMkLst>
+        <pc:spChg chg="mod">
+          <ac:chgData name="Wang, Xin" userId="de5fe87c-0211-4d1e-a72b-3f57084d94fd" providerId="ADAL" clId="{75D24CDC-5D28-490D-94AE-481B27874891}" dt="2023-08-22T08:54:11.614" v="1630" actId="20577"/>
+          <ac:spMkLst>
+            <pc:docMk/>
+            <pc:sldMk cId="382172849" sldId="259"/>
+            <ac:spMk id="2" creationId="{3160B086-F9E5-90FE-85B5-649DCE3E3455}"/>
+          </ac:spMkLst>
+        </pc:spChg>
+        <pc:spChg chg="mod">
+          <ac:chgData name="Wang, Xin" userId="de5fe87c-0211-4d1e-a72b-3f57084d94fd" providerId="ADAL" clId="{75D24CDC-5D28-490D-94AE-481B27874891}" dt="2023-08-22T06:16:17.489" v="446" actId="20577"/>
+          <ac:spMkLst>
+            <pc:docMk/>
+            <pc:sldMk cId="382172849" sldId="259"/>
+            <ac:spMk id="3" creationId="{EDE6F3EA-EE8B-42D8-405F-9C24788DA1BD}"/>
+          </ac:spMkLst>
+        </pc:spChg>
+      </pc:sldChg>
+      <pc:sldChg chg="modSp new mod ord">
+        <pc:chgData name="Wang, Xin" userId="de5fe87c-0211-4d1e-a72b-3f57084d94fd" providerId="ADAL" clId="{75D24CDC-5D28-490D-94AE-481B27874891}" dt="2023-08-22T09:12:56.399" v="2298" actId="20577"/>
         <pc:sldMkLst>
           <pc:docMk/>
           <pc:sldMk cId="134587868" sldId="260"/>
         </pc:sldMkLst>
         <pc:spChg chg="mod">
-          <ac:chgData name="Wang, Xin" userId="de5fe87c-0211-4d1e-a72b-3f57084d94fd" providerId="ADAL" clId="{B78FAE23-380A-4AB3-8EA1-350E19EEBF4D}" dt="2023-08-22T13:51:51.650" v="674" actId="27636"/>
+          <ac:chgData name="Wang, Xin" userId="de5fe87c-0211-4d1e-a72b-3f57084d94fd" providerId="ADAL" clId="{75D24CDC-5D28-490D-94AE-481B27874891}" dt="2023-08-22T07:08:41.847" v="876" actId="20577"/>
+          <ac:spMkLst>
+            <pc:docMk/>
+            <pc:sldMk cId="134587868" sldId="260"/>
+            <ac:spMk id="2" creationId="{3DF29927-7FA1-D402-8473-49E3D12100C5}"/>
+          </ac:spMkLst>
+        </pc:spChg>
+        <pc:spChg chg="mod">
+          <ac:chgData name="Wang, Xin" userId="de5fe87c-0211-4d1e-a72b-3f57084d94fd" providerId="ADAL" clId="{75D24CDC-5D28-490D-94AE-481B27874891}" dt="2023-08-22T09:12:56.399" v="2298" actId="20577"/>
           <ac:spMkLst>
             <pc:docMk/>
             <pc:sldMk cId="134587868" sldId="260"/>
@@ -1394,14 +1324,22 @@
           </ac:spMkLst>
         </pc:spChg>
       </pc:sldChg>
-      <pc:sldChg chg="modSp mod ord">
-        <pc:chgData name="Wang, Xin" userId="de5fe87c-0211-4d1e-a72b-3f57084d94fd" providerId="ADAL" clId="{B78FAE23-380A-4AB3-8EA1-350E19EEBF4D}" dt="2023-08-22T23:07:42.229" v="963" actId="20577"/>
+      <pc:sldChg chg="modSp new mod ord">
+        <pc:chgData name="Wang, Xin" userId="de5fe87c-0211-4d1e-a72b-3f57084d94fd" providerId="ADAL" clId="{75D24CDC-5D28-490D-94AE-481B27874891}" dt="2023-08-22T10:01:05.654" v="3650" actId="20577"/>
         <pc:sldMkLst>
           <pc:docMk/>
           <pc:sldMk cId="1700451727" sldId="261"/>
         </pc:sldMkLst>
         <pc:spChg chg="mod">
-          <ac:chgData name="Wang, Xin" userId="de5fe87c-0211-4d1e-a72b-3f57084d94fd" providerId="ADAL" clId="{B78FAE23-380A-4AB3-8EA1-350E19EEBF4D}" dt="2023-08-22T23:07:42.229" v="963" actId="20577"/>
+          <ac:chgData name="Wang, Xin" userId="de5fe87c-0211-4d1e-a72b-3f57084d94fd" providerId="ADAL" clId="{75D24CDC-5D28-490D-94AE-481B27874891}" dt="2023-08-22T09:20:50.413" v="2556" actId="20577"/>
+          <ac:spMkLst>
+            <pc:docMk/>
+            <pc:sldMk cId="1700451727" sldId="261"/>
+            <ac:spMk id="2" creationId="{634ABAEA-FA86-37F5-5346-5281F9FC6C5E}"/>
+          </ac:spMkLst>
+        </pc:spChg>
+        <pc:spChg chg="mod">
+          <ac:chgData name="Wang, Xin" userId="de5fe87c-0211-4d1e-a72b-3f57084d94fd" providerId="ADAL" clId="{75D24CDC-5D28-490D-94AE-481B27874891}" dt="2023-08-22T10:01:05.654" v="3650" actId="20577"/>
           <ac:spMkLst>
             <pc:docMk/>
             <pc:sldMk cId="1700451727" sldId="261"/>
@@ -1409,54 +1347,62 @@
           </ac:spMkLst>
         </pc:spChg>
       </pc:sldChg>
-      <pc:sldChg chg="addSp modSp mod">
-        <pc:chgData name="Wang, Xin" userId="de5fe87c-0211-4d1e-a72b-3f57084d94fd" providerId="ADAL" clId="{B78FAE23-380A-4AB3-8EA1-350E19EEBF4D}" dt="2023-08-22T23:27:23.690" v="983" actId="113"/>
+      <pc:sldChg chg="addSp delSp modSp new mod ord">
+        <pc:chgData name="Wang, Xin" userId="de5fe87c-0211-4d1e-a72b-3f57084d94fd" providerId="ADAL" clId="{75D24CDC-5D28-490D-94AE-481B27874891}" dt="2023-08-22T08:10:54.649" v="1546"/>
         <pc:sldMkLst>
           <pc:docMk/>
           <pc:sldMk cId="1509891731" sldId="262"/>
         </pc:sldMkLst>
-        <pc:spChg chg="add mod">
-          <ac:chgData name="Wang, Xin" userId="de5fe87c-0211-4d1e-a72b-3f57084d94fd" providerId="ADAL" clId="{B78FAE23-380A-4AB3-8EA1-350E19EEBF4D}" dt="2023-08-22T23:01:14.123" v="952" actId="14100"/>
+        <pc:spChg chg="del">
+          <ac:chgData name="Wang, Xin" userId="de5fe87c-0211-4d1e-a72b-3f57084d94fd" providerId="ADAL" clId="{75D24CDC-5D28-490D-94AE-481B27874891}" dt="2023-08-22T08:02:02.353" v="1438" actId="478"/>
           <ac:spMkLst>
             <pc:docMk/>
             <pc:sldMk cId="1509891731" sldId="262"/>
-            <ac:spMk id="2" creationId="{CF1FD26B-95BC-E25D-9A60-C87E32D729DE}"/>
+            <ac:spMk id="2" creationId="{86AA21BD-A289-2F6B-C977-D171F8F18157}"/>
           </ac:spMkLst>
         </pc:spChg>
-        <pc:spChg chg="mod">
-          <ac:chgData name="Wang, Xin" userId="de5fe87c-0211-4d1e-a72b-3f57084d94fd" providerId="ADAL" clId="{B78FAE23-380A-4AB3-8EA1-350E19EEBF4D}" dt="2023-08-22T23:01:05.825" v="950" actId="1076"/>
+        <pc:spChg chg="del mod">
+          <ac:chgData name="Wang, Xin" userId="de5fe87c-0211-4d1e-a72b-3f57084d94fd" providerId="ADAL" clId="{75D24CDC-5D28-490D-94AE-481B27874891}" dt="2023-08-22T08:02:05.510" v="1439" actId="478"/>
+          <ac:spMkLst>
+            <pc:docMk/>
+            <pc:sldMk cId="1509891731" sldId="262"/>
+            <ac:spMk id="3" creationId="{FEE4606B-7180-51B3-E107-E42ED4AEDB98}"/>
+          </ac:spMkLst>
+        </pc:spChg>
+        <pc:spChg chg="add mod">
+          <ac:chgData name="Wang, Xin" userId="de5fe87c-0211-4d1e-a72b-3f57084d94fd" providerId="ADAL" clId="{75D24CDC-5D28-490D-94AE-481B27874891}" dt="2023-08-22T08:06:47.082" v="1479" actId="1076"/>
           <ac:spMkLst>
             <pc:docMk/>
             <pc:sldMk cId="1509891731" sldId="262"/>
             <ac:spMk id="5" creationId="{C090E4DB-6507-855C-C5C5-65CE99F2030D}"/>
           </ac:spMkLst>
         </pc:spChg>
-        <pc:spChg chg="mod">
-          <ac:chgData name="Wang, Xin" userId="de5fe87c-0211-4d1e-a72b-3f57084d94fd" providerId="ADAL" clId="{B78FAE23-380A-4AB3-8EA1-350E19EEBF4D}" dt="2023-08-22T23:01:05.825" v="950" actId="1076"/>
+        <pc:spChg chg="add mod">
+          <ac:chgData name="Wang, Xin" userId="de5fe87c-0211-4d1e-a72b-3f57084d94fd" providerId="ADAL" clId="{75D24CDC-5D28-490D-94AE-481B27874891}" dt="2023-08-22T08:10:14.088" v="1544" actId="113"/>
           <ac:spMkLst>
             <pc:docMk/>
             <pc:sldMk cId="1509891731" sldId="262"/>
             <ac:spMk id="7" creationId="{2701DF09-0707-7E1F-CD53-B5D72DE161AE}"/>
           </ac:spMkLst>
         </pc:spChg>
-        <pc:spChg chg="mod">
-          <ac:chgData name="Wang, Xin" userId="de5fe87c-0211-4d1e-a72b-3f57084d94fd" providerId="ADAL" clId="{B78FAE23-380A-4AB3-8EA1-350E19EEBF4D}" dt="2023-08-22T23:01:09.922" v="951" actId="1076"/>
+        <pc:spChg chg="add mod">
+          <ac:chgData name="Wang, Xin" userId="de5fe87c-0211-4d1e-a72b-3f57084d94fd" providerId="ADAL" clId="{75D24CDC-5D28-490D-94AE-481B27874891}" dt="2023-08-22T08:07:29.931" v="1482" actId="404"/>
           <ac:spMkLst>
             <pc:docMk/>
             <pc:sldMk cId="1509891731" sldId="262"/>
             <ac:spMk id="9" creationId="{C7857C50-CE24-D7E6-0479-39B6B00A7391}"/>
           </ac:spMkLst>
         </pc:spChg>
-        <pc:spChg chg="mod">
-          <ac:chgData name="Wang, Xin" userId="de5fe87c-0211-4d1e-a72b-3f57084d94fd" providerId="ADAL" clId="{B78FAE23-380A-4AB3-8EA1-350E19EEBF4D}" dt="2023-08-22T23:27:23.690" v="983" actId="113"/>
+        <pc:spChg chg="add mod">
+          <ac:chgData name="Wang, Xin" userId="de5fe87c-0211-4d1e-a72b-3f57084d94fd" providerId="ADAL" clId="{75D24CDC-5D28-490D-94AE-481B27874891}" dt="2023-08-22T08:09:55.146" v="1534" actId="20577"/>
           <ac:spMkLst>
             <pc:docMk/>
             <pc:sldMk cId="1509891731" sldId="262"/>
             <ac:spMk id="10" creationId="{31E37CEF-EAB0-A329-50B5-71DEAE4D7C5A}"/>
           </ac:spMkLst>
         </pc:spChg>
-        <pc:spChg chg="mod">
-          <ac:chgData name="Wang, Xin" userId="de5fe87c-0211-4d1e-a72b-3f57084d94fd" providerId="ADAL" clId="{B78FAE23-380A-4AB3-8EA1-350E19EEBF4D}" dt="2023-08-22T23:27:19.384" v="981" actId="207"/>
+        <pc:spChg chg="add mod">
+          <ac:chgData name="Wang, Xin" userId="de5fe87c-0211-4d1e-a72b-3f57084d94fd" providerId="ADAL" clId="{75D24CDC-5D28-490D-94AE-481B27874891}" dt="2023-08-22T08:09:59.566" v="1542" actId="20577"/>
           <ac:spMkLst>
             <pc:docMk/>
             <pc:sldMk cId="1509891731" sldId="262"/>
@@ -1464,29 +1410,115 @@
           </ac:spMkLst>
         </pc:spChg>
       </pc:sldChg>
-      <pc:sldChg chg="del">
-        <pc:chgData name="Wang, Xin" userId="de5fe87c-0211-4d1e-a72b-3f57084d94fd" providerId="ADAL" clId="{B78FAE23-380A-4AB3-8EA1-350E19EEBF4D}" dt="2023-08-22T13:39:20.600" v="672" actId="47"/>
+      <pc:sldChg chg="addSp delSp modSp new mod ord">
+        <pc:chgData name="Wang, Xin" userId="de5fe87c-0211-4d1e-a72b-3f57084d94fd" providerId="ADAL" clId="{75D24CDC-5D28-490D-94AE-481B27874891}" dt="2023-08-22T09:58:37.456" v="3643" actId="20577"/>
+        <pc:sldMkLst>
+          <pc:docMk/>
+          <pc:sldMk cId="1660229097" sldId="263"/>
+        </pc:sldMkLst>
+        <pc:spChg chg="mod">
+          <ac:chgData name="Wang, Xin" userId="de5fe87c-0211-4d1e-a72b-3f57084d94fd" providerId="ADAL" clId="{75D24CDC-5D28-490D-94AE-481B27874891}" dt="2023-08-22T09:42:50.454" v="3215" actId="20577"/>
+          <ac:spMkLst>
+            <pc:docMk/>
+            <pc:sldMk cId="1660229097" sldId="263"/>
+            <ac:spMk id="2" creationId="{BE400EDE-9915-BF23-F8A0-338663B6A45A}"/>
+          </ac:spMkLst>
+        </pc:spChg>
+        <pc:spChg chg="del">
+          <ac:chgData name="Wang, Xin" userId="de5fe87c-0211-4d1e-a72b-3f57084d94fd" providerId="ADAL" clId="{75D24CDC-5D28-490D-94AE-481B27874891}" dt="2023-08-22T08:17:55.440" v="1548" actId="478"/>
+          <ac:spMkLst>
+            <pc:docMk/>
+            <pc:sldMk cId="1660229097" sldId="263"/>
+            <ac:spMk id="3" creationId="{264FC481-AE46-C2E8-8E6F-D047D5818C51}"/>
+          </ac:spMkLst>
+        </pc:spChg>
+        <pc:spChg chg="add del mod">
+          <ac:chgData name="Wang, Xin" userId="de5fe87c-0211-4d1e-a72b-3f57084d94fd" providerId="ADAL" clId="{75D24CDC-5D28-490D-94AE-481B27874891}" dt="2023-08-22T09:47:19.339" v="3430" actId="478"/>
+          <ac:spMkLst>
+            <pc:docMk/>
+            <pc:sldMk cId="1660229097" sldId="263"/>
+            <ac:spMk id="5" creationId="{8AC59E21-5F2E-A608-3F45-34E00465475B}"/>
+          </ac:spMkLst>
+        </pc:spChg>
+        <pc:spChg chg="add mod">
+          <ac:chgData name="Wang, Xin" userId="de5fe87c-0211-4d1e-a72b-3f57084d94fd" providerId="ADAL" clId="{75D24CDC-5D28-490D-94AE-481B27874891}" dt="2023-08-22T09:58:37.456" v="3643" actId="20577"/>
+          <ac:spMkLst>
+            <pc:docMk/>
+            <pc:sldMk cId="1660229097" sldId="263"/>
+            <ac:spMk id="6" creationId="{6AC5F8F3-5CD5-EF74-0E20-FC54CB11C3D0}"/>
+          </ac:spMkLst>
+        </pc:spChg>
+        <pc:picChg chg="add mod">
+          <ac:chgData name="Wang, Xin" userId="de5fe87c-0211-4d1e-a72b-3f57084d94fd" providerId="ADAL" clId="{75D24CDC-5D28-490D-94AE-481B27874891}" dt="2023-08-22T09:47:22.462" v="3431" actId="1076"/>
+          <ac:picMkLst>
+            <pc:docMk/>
+            <pc:sldMk cId="1660229097" sldId="263"/>
+            <ac:picMk id="1026" creationId="{EA9CDD83-EC0D-26EB-AC3B-0C21F67654F7}"/>
+          </ac:picMkLst>
+        </pc:picChg>
+      </pc:sldChg>
+      <pc:sldChg chg="addSp delSp modSp new mod">
+        <pc:chgData name="Wang, Xin" userId="de5fe87c-0211-4d1e-a72b-3f57084d94fd" providerId="ADAL" clId="{75D24CDC-5D28-490D-94AE-481B27874891}" dt="2023-08-22T08:51:39.949" v="1573" actId="1076"/>
         <pc:sldMkLst>
           <pc:docMk/>
           <pc:sldMk cId="3292036399" sldId="264"/>
         </pc:sldMkLst>
+        <pc:spChg chg="mod">
+          <ac:chgData name="Wang, Xin" userId="de5fe87c-0211-4d1e-a72b-3f57084d94fd" providerId="ADAL" clId="{75D24CDC-5D28-490D-94AE-481B27874891}" dt="2023-08-22T08:51:39.949" v="1573" actId="1076"/>
+          <ac:spMkLst>
+            <pc:docMk/>
+            <pc:sldMk cId="3292036399" sldId="264"/>
+            <ac:spMk id="2" creationId="{020B73C8-9995-081E-B4EE-9F9591351355}"/>
+          </ac:spMkLst>
+        </pc:spChg>
+        <pc:spChg chg="del">
+          <ac:chgData name="Wang, Xin" userId="de5fe87c-0211-4d1e-a72b-3f57084d94fd" providerId="ADAL" clId="{75D24CDC-5D28-490D-94AE-481B27874891}" dt="2023-08-22T08:44:58.299" v="1561" actId="478"/>
+          <ac:spMkLst>
+            <pc:docMk/>
+            <pc:sldMk cId="3292036399" sldId="264"/>
+            <ac:spMk id="3" creationId="{75056CB6-0C14-3AB5-455F-403D9D0EE678}"/>
+          </ac:spMkLst>
+        </pc:spChg>
+        <pc:spChg chg="add mod">
+          <ac:chgData name="Wang, Xin" userId="de5fe87c-0211-4d1e-a72b-3f57084d94fd" providerId="ADAL" clId="{75D24CDC-5D28-490D-94AE-481B27874891}" dt="2023-08-22T08:49:56.162" v="1570" actId="1076"/>
+          <ac:spMkLst>
+            <pc:docMk/>
+            <pc:sldMk cId="3292036399" sldId="264"/>
+            <ac:spMk id="5" creationId="{17AB782D-786A-9250-9422-1A99C4E14990}"/>
+          </ac:spMkLst>
+        </pc:spChg>
       </pc:sldChg>
-      <pc:sldChg chg="modSp mod">
-        <pc:chgData name="Wang, Xin" userId="de5fe87c-0211-4d1e-a72b-3f57084d94fd" providerId="ADAL" clId="{B78FAE23-380A-4AB3-8EA1-350E19EEBF4D}" dt="2023-08-22T14:32:10.781" v="788" actId="20577"/>
+      <pc:sldChg chg="modSp new mod ord">
+        <pc:chgData name="Wang, Xin" userId="de5fe87c-0211-4d1e-a72b-3f57084d94fd" providerId="ADAL" clId="{75D24CDC-5D28-490D-94AE-481B27874891}" dt="2023-08-22T09:37:10.459" v="2914" actId="27636"/>
+        <pc:sldMkLst>
+          <pc:docMk/>
+          <pc:sldMk cId="1462737256" sldId="265"/>
+        </pc:sldMkLst>
+        <pc:spChg chg="mod">
+          <ac:chgData name="Wang, Xin" userId="de5fe87c-0211-4d1e-a72b-3f57084d94fd" providerId="ADAL" clId="{75D24CDC-5D28-490D-94AE-481B27874891}" dt="2023-08-22T08:58:03.445" v="1937" actId="20577"/>
+          <ac:spMkLst>
+            <pc:docMk/>
+            <pc:sldMk cId="1462737256" sldId="265"/>
+            <ac:spMk id="2" creationId="{38805D7E-1F38-2CE3-1666-D835B82568A4}"/>
+          </ac:spMkLst>
+        </pc:spChg>
+        <pc:spChg chg="mod">
+          <ac:chgData name="Wang, Xin" userId="de5fe87c-0211-4d1e-a72b-3f57084d94fd" providerId="ADAL" clId="{75D24CDC-5D28-490D-94AE-481B27874891}" dt="2023-08-22T09:37:10.459" v="2914" actId="27636"/>
+          <ac:spMkLst>
+            <pc:docMk/>
+            <pc:sldMk cId="1462737256" sldId="265"/>
+            <ac:spMk id="3" creationId="{AF07426A-C306-1D7F-186A-3FE5FCB2790E}"/>
+          </ac:spMkLst>
+        </pc:spChg>
+      </pc:sldChg>
+      <pc:sldChg chg="modSp new mod">
+        <pc:chgData name="Wang, Xin" userId="de5fe87c-0211-4d1e-a72b-3f57084d94fd" providerId="ADAL" clId="{75D24CDC-5D28-490D-94AE-481B27874891}" dt="2023-08-22T09:57:28.866" v="3583" actId="20577"/>
         <pc:sldMkLst>
           <pc:docMk/>
           <pc:sldMk cId="3680878811" sldId="266"/>
         </pc:sldMkLst>
         <pc:spChg chg="mod">
-          <ac:chgData name="Wang, Xin" userId="de5fe87c-0211-4d1e-a72b-3f57084d94fd" providerId="ADAL" clId="{B78FAE23-380A-4AB3-8EA1-350E19EEBF4D}" dt="2023-08-22T13:28:10.383" v="82" actId="20577"/>
-          <ac:spMkLst>
-            <pc:docMk/>
-            <pc:sldMk cId="3680878811" sldId="266"/>
-            <ac:spMk id="2" creationId="{A6CA6140-B61A-5326-558A-B0C388033216}"/>
-          </ac:spMkLst>
-        </pc:spChg>
-        <pc:spChg chg="mod">
-          <ac:chgData name="Wang, Xin" userId="de5fe87c-0211-4d1e-a72b-3f57084d94fd" providerId="ADAL" clId="{B78FAE23-380A-4AB3-8EA1-350E19EEBF4D}" dt="2023-08-22T14:32:10.781" v="788" actId="20577"/>
+          <ac:chgData name="Wang, Xin" userId="de5fe87c-0211-4d1e-a72b-3f57084d94fd" providerId="ADAL" clId="{75D24CDC-5D28-490D-94AE-481B27874891}" dt="2023-08-22T09:57:28.866" v="3583" actId="20577"/>
           <ac:spMkLst>
             <pc:docMk/>
             <pc:sldMk cId="3680878811" sldId="266"/>
@@ -1494,85 +1526,53 @@
           </ac:spMkLst>
         </pc:spChg>
       </pc:sldChg>
-      <pc:sldChg chg="addSp delSp modSp new mod">
-        <pc:chgData name="Wang, Xin" userId="de5fe87c-0211-4d1e-a72b-3f57084d94fd" providerId="ADAL" clId="{B78FAE23-380A-4AB3-8EA1-350E19EEBF4D}" dt="2023-08-22T23:42:09.546" v="1199" actId="14100"/>
-        <pc:sldMkLst>
+      <pc:sldMasterChg chg="modSp">
+        <pc:chgData name="Wang, Xin" userId="de5fe87c-0211-4d1e-a72b-3f57084d94fd" providerId="ADAL" clId="{75D24CDC-5D28-490D-94AE-481B27874891}" dt="2023-08-22T05:22:32.129" v="1" actId="2711"/>
+        <pc:sldMasterMkLst>
           <pc:docMk/>
-          <pc:sldMk cId="153857132" sldId="267"/>
-        </pc:sldMkLst>
+          <pc:sldMasterMk cId="3441967176" sldId="2147483648"/>
+        </pc:sldMasterMkLst>
         <pc:spChg chg="mod">
-          <ac:chgData name="Wang, Xin" userId="de5fe87c-0211-4d1e-a72b-3f57084d94fd" providerId="ADAL" clId="{B78FAE23-380A-4AB3-8EA1-350E19EEBF4D}" dt="2023-08-22T23:41:24.420" v="1183" actId="14100"/>
+          <ac:chgData name="Wang, Xin" userId="de5fe87c-0211-4d1e-a72b-3f57084d94fd" providerId="ADAL" clId="{75D24CDC-5D28-490D-94AE-481B27874891}" dt="2023-08-22T05:22:32.129" v="1" actId="2711"/>
           <ac:spMkLst>
             <pc:docMk/>
-            <pc:sldMk cId="153857132" sldId="267"/>
-            <ac:spMk id="2" creationId="{AACE49FF-5715-5312-7C27-DD9ED28649A2}"/>
+            <pc:sldMasterMk cId="3441967176" sldId="2147483648"/>
+            <ac:spMk id="2" creationId="{DF3904E4-71C0-94AE-7206-E9EEB02460A7}"/>
           </ac:spMkLst>
         </pc:spChg>
-        <pc:spChg chg="del">
-          <ac:chgData name="Wang, Xin" userId="de5fe87c-0211-4d1e-a72b-3f57084d94fd" providerId="ADAL" clId="{B78FAE23-380A-4AB3-8EA1-350E19EEBF4D}" dt="2023-08-22T23:36:43.837" v="1015" actId="478"/>
+        <pc:spChg chg="mod">
+          <ac:chgData name="Wang, Xin" userId="de5fe87c-0211-4d1e-a72b-3f57084d94fd" providerId="ADAL" clId="{75D24CDC-5D28-490D-94AE-481B27874891}" dt="2023-08-22T05:22:32.129" v="1" actId="2711"/>
           <ac:spMkLst>
             <pc:docMk/>
-            <pc:sldMk cId="153857132" sldId="267"/>
-            <ac:spMk id="3" creationId="{63057A95-F94B-C96A-81B6-DCA20AA62464}"/>
+            <pc:sldMasterMk cId="3441967176" sldId="2147483648"/>
+            <ac:spMk id="3" creationId="{EB40AA25-71B2-C1A5-1BA8-48830D67ECA4}"/>
           </ac:spMkLst>
         </pc:spChg>
-        <pc:spChg chg="add mod">
-          <ac:chgData name="Wang, Xin" userId="de5fe87c-0211-4d1e-a72b-3f57084d94fd" providerId="ADAL" clId="{B78FAE23-380A-4AB3-8EA1-350E19EEBF4D}" dt="2023-08-22T23:41:58.398" v="1196" actId="1076"/>
+        <pc:spChg chg="mod">
+          <ac:chgData name="Wang, Xin" userId="de5fe87c-0211-4d1e-a72b-3f57084d94fd" providerId="ADAL" clId="{75D24CDC-5D28-490D-94AE-481B27874891}" dt="2023-08-22T05:22:32.129" v="1" actId="2711"/>
           <ac:spMkLst>
             <pc:docMk/>
-            <pc:sldMk cId="153857132" sldId="267"/>
-            <ac:spMk id="5" creationId="{32D3DB09-DC2B-1313-0924-D466FAFE14B1}"/>
+            <pc:sldMasterMk cId="3441967176" sldId="2147483648"/>
+            <ac:spMk id="4" creationId="{B7A25D3C-D5A7-E6A5-808A-CF494253F2B6}"/>
           </ac:spMkLst>
         </pc:spChg>
-        <pc:spChg chg="add mod">
-          <ac:chgData name="Wang, Xin" userId="de5fe87c-0211-4d1e-a72b-3f57084d94fd" providerId="ADAL" clId="{B78FAE23-380A-4AB3-8EA1-350E19EEBF4D}" dt="2023-08-22T23:42:09.546" v="1199" actId="14100"/>
+        <pc:spChg chg="mod">
+          <ac:chgData name="Wang, Xin" userId="de5fe87c-0211-4d1e-a72b-3f57084d94fd" providerId="ADAL" clId="{75D24CDC-5D28-490D-94AE-481B27874891}" dt="2023-08-22T05:22:32.129" v="1" actId="2711"/>
           <ac:spMkLst>
             <pc:docMk/>
-            <pc:sldMk cId="153857132" sldId="267"/>
-            <ac:spMk id="6" creationId="{C75CB7C2-F080-C01E-FFAE-BDFC647C36DD}"/>
+            <pc:sldMasterMk cId="3441967176" sldId="2147483648"/>
+            <ac:spMk id="5" creationId="{13C965AF-A7FF-F876-1319-B8EB9F9F8E96}"/>
           </ac:spMkLst>
         </pc:spChg>
-        <pc:spChg chg="add mod">
-          <ac:chgData name="Wang, Xin" userId="de5fe87c-0211-4d1e-a72b-3f57084d94fd" providerId="ADAL" clId="{B78FAE23-380A-4AB3-8EA1-350E19EEBF4D}" dt="2023-08-22T23:42:01.582" v="1197" actId="1076"/>
+        <pc:spChg chg="mod">
+          <ac:chgData name="Wang, Xin" userId="de5fe87c-0211-4d1e-a72b-3f57084d94fd" providerId="ADAL" clId="{75D24CDC-5D28-490D-94AE-481B27874891}" dt="2023-08-22T05:22:32.129" v="1" actId="2711"/>
           <ac:spMkLst>
             <pc:docMk/>
-            <pc:sldMk cId="153857132" sldId="267"/>
-            <ac:spMk id="10" creationId="{4C77C48E-1AA7-6E88-2E0E-81D903F0FB14}"/>
+            <pc:sldMasterMk cId="3441967176" sldId="2147483648"/>
+            <ac:spMk id="6" creationId="{FD35D4C2-B9E2-9195-8AB7-EDE1EC8008FC}"/>
           </ac:spMkLst>
         </pc:spChg>
-        <pc:spChg chg="add mod">
-          <ac:chgData name="Wang, Xin" userId="de5fe87c-0211-4d1e-a72b-3f57084d94fd" providerId="ADAL" clId="{B78FAE23-380A-4AB3-8EA1-350E19EEBF4D}" dt="2023-08-22T23:40:58.496" v="1170" actId="14100"/>
-          <ac:spMkLst>
-            <pc:docMk/>
-            <pc:sldMk cId="153857132" sldId="267"/>
-            <ac:spMk id="11" creationId="{CB8612F4-659E-6CEB-AD5C-73A47F305CB9}"/>
-          </ac:spMkLst>
-        </pc:spChg>
-        <pc:spChg chg="add mod">
-          <ac:chgData name="Wang, Xin" userId="de5fe87c-0211-4d1e-a72b-3f57084d94fd" providerId="ADAL" clId="{B78FAE23-380A-4AB3-8EA1-350E19EEBF4D}" dt="2023-08-22T23:41:09.338" v="1178" actId="20577"/>
-          <ac:spMkLst>
-            <pc:docMk/>
-            <pc:sldMk cId="153857132" sldId="267"/>
-            <ac:spMk id="12" creationId="{DFC51312-F4A0-2171-89AE-ED0BDE986FE7}"/>
-          </ac:spMkLst>
-        </pc:spChg>
-        <pc:picChg chg="add mod">
-          <ac:chgData name="Wang, Xin" userId="de5fe87c-0211-4d1e-a72b-3f57084d94fd" providerId="ADAL" clId="{B78FAE23-380A-4AB3-8EA1-350E19EEBF4D}" dt="2023-08-22T23:41:19.555" v="1181" actId="1076"/>
-          <ac:picMkLst>
-            <pc:docMk/>
-            <pc:sldMk cId="153857132" sldId="267"/>
-            <ac:picMk id="7" creationId="{1E893A80-1698-D6CF-53B4-546E921F69F1}"/>
-          </ac:picMkLst>
-        </pc:picChg>
-        <pc:picChg chg="add mod">
-          <ac:chgData name="Wang, Xin" userId="de5fe87c-0211-4d1e-a72b-3f57084d94fd" providerId="ADAL" clId="{B78FAE23-380A-4AB3-8EA1-350E19EEBF4D}" dt="2023-08-22T23:41:15.976" v="1180" actId="1076"/>
-          <ac:picMkLst>
-            <pc:docMk/>
-            <pc:sldMk cId="153857132" sldId="267"/>
-            <ac:picMk id="8" creationId="{4B4DCCE7-39AA-2DFB-77E5-A1FEB7E78934}"/>
-          </ac:picMkLst>
-        </pc:picChg>
-      </pc:sldChg>
+      </pc:sldMasterChg>
     </pc:docChg>
   </pc:docChgLst>
 </pc:chgInfo>
@@ -1660,7 +1660,7 @@
           <a:p>
             <a:fld id="{8C95AEAF-DE04-46E1-B1D1-C1702823277A}" type="datetimeFigureOut">
               <a:rPr lang="en-US" smtClean="0"/>
-              <a:t>8/29/2023</a:t>
+              <a:t>8/30/2023</a:t>
             </a:fld>
             <a:endParaRPr lang="en-US"/>
           </a:p>
@@ -3673,7 +3673,7 @@
           <a:p>
             <a:fld id="{A3DF856C-2CDB-4D2B-84E4-3131B8BCC067}" type="datetimeFigureOut">
               <a:rPr lang="en-US" smtClean="0"/>
-              <a:t>8/29/2023</a:t>
+              <a:t>8/30/2023</a:t>
             </a:fld>
             <a:endParaRPr lang="en-US"/>
           </a:p>
@@ -3871,7 +3871,7 @@
           <a:p>
             <a:fld id="{A3DF856C-2CDB-4D2B-84E4-3131B8BCC067}" type="datetimeFigureOut">
               <a:rPr lang="en-US" smtClean="0"/>
-              <a:t>8/29/2023</a:t>
+              <a:t>8/30/2023</a:t>
             </a:fld>
             <a:endParaRPr lang="en-US"/>
           </a:p>
@@ -4079,7 +4079,7 @@
           <a:p>
             <a:fld id="{A3DF856C-2CDB-4D2B-84E4-3131B8BCC067}" type="datetimeFigureOut">
               <a:rPr lang="en-US" smtClean="0"/>
-              <a:t>8/29/2023</a:t>
+              <a:t>8/30/2023</a:t>
             </a:fld>
             <a:endParaRPr lang="en-US"/>
           </a:p>
@@ -4277,7 +4277,7 @@
           <a:p>
             <a:fld id="{A3DF856C-2CDB-4D2B-84E4-3131B8BCC067}" type="datetimeFigureOut">
               <a:rPr lang="en-US" smtClean="0"/>
-              <a:t>8/29/2023</a:t>
+              <a:t>8/30/2023</a:t>
             </a:fld>
             <a:endParaRPr lang="en-US"/>
           </a:p>
@@ -4552,7 +4552,7 @@
           <a:p>
             <a:fld id="{A3DF856C-2CDB-4D2B-84E4-3131B8BCC067}" type="datetimeFigureOut">
               <a:rPr lang="en-US" smtClean="0"/>
-              <a:t>8/29/2023</a:t>
+              <a:t>8/30/2023</a:t>
             </a:fld>
             <a:endParaRPr lang="en-US"/>
           </a:p>
@@ -4817,7 +4817,7 @@
           <a:p>
             <a:fld id="{A3DF856C-2CDB-4D2B-84E4-3131B8BCC067}" type="datetimeFigureOut">
               <a:rPr lang="en-US" smtClean="0"/>
-              <a:t>8/29/2023</a:t>
+              <a:t>8/30/2023</a:t>
             </a:fld>
             <a:endParaRPr lang="en-US"/>
           </a:p>
@@ -5229,7 +5229,7 @@
           <a:p>
             <a:fld id="{A3DF856C-2CDB-4D2B-84E4-3131B8BCC067}" type="datetimeFigureOut">
               <a:rPr lang="en-US" smtClean="0"/>
-              <a:t>8/29/2023</a:t>
+              <a:t>8/30/2023</a:t>
             </a:fld>
             <a:endParaRPr lang="en-US"/>
           </a:p>
@@ -5370,7 +5370,7 @@
           <a:p>
             <a:fld id="{A3DF856C-2CDB-4D2B-84E4-3131B8BCC067}" type="datetimeFigureOut">
               <a:rPr lang="en-US" smtClean="0"/>
-              <a:t>8/29/2023</a:t>
+              <a:t>8/30/2023</a:t>
             </a:fld>
             <a:endParaRPr lang="en-US"/>
           </a:p>
@@ -5483,7 +5483,7 @@
           <a:p>
             <a:fld id="{A3DF856C-2CDB-4D2B-84E4-3131B8BCC067}" type="datetimeFigureOut">
               <a:rPr lang="en-US" smtClean="0"/>
-              <a:t>8/29/2023</a:t>
+              <a:t>8/30/2023</a:t>
             </a:fld>
             <a:endParaRPr lang="en-US"/>
           </a:p>
@@ -5794,7 +5794,7 @@
           <a:p>
             <a:fld id="{A3DF856C-2CDB-4D2B-84E4-3131B8BCC067}" type="datetimeFigureOut">
               <a:rPr lang="en-US" smtClean="0"/>
-              <a:t>8/29/2023</a:t>
+              <a:t>8/30/2023</a:t>
             </a:fld>
             <a:endParaRPr lang="en-US"/>
           </a:p>
@@ -6082,7 +6082,7 @@
           <a:p>
             <a:fld id="{A3DF856C-2CDB-4D2B-84E4-3131B8BCC067}" type="datetimeFigureOut">
               <a:rPr lang="en-US" smtClean="0"/>
-              <a:t>8/29/2023</a:t>
+              <a:t>8/30/2023</a:t>
             </a:fld>
             <a:endParaRPr lang="en-US"/>
           </a:p>
@@ -6326,7 +6326,7 @@
             <a:fld id="{A3DF856C-2CDB-4D2B-84E4-3131B8BCC067}" type="datetimeFigureOut">
               <a:rPr lang="en-US" smtClean="0"/>
               <a:pPr/>
-              <a:t>8/29/2023</a:t>
+              <a:t>8/30/2023</a:t>
             </a:fld>
             <a:endParaRPr lang="en-US"/>
           </a:p>
@@ -6919,15 +6919,15 @@
               </a:lnSpc>
             </a:pPr>
             <a:r>
-              <a:rPr lang="en-US" sz="2000"/>
+              <a:rPr lang="en-US" sz="2000" dirty="0"/>
               <a:t>How to reuse the massive </a:t>
             </a:r>
             <a:r>
-              <a:rPr lang="en-US" sz="2000" err="1"/>
+              <a:rPr lang="en-US" sz="2000" dirty="0" err="1"/>
               <a:t>libc</a:t>
             </a:r>
             <a:r>
-              <a:rPr lang="en-US" sz="2000"/>
+              <a:rPr lang="en-US" sz="2000" dirty="0"/>
               <a:t>-based libraries (static and dynamic linking)?</a:t>
             </a:r>
           </a:p>
@@ -6938,23 +6938,23 @@
               </a:lnSpc>
             </a:pPr>
             <a:r>
-              <a:rPr lang="en-US" sz="1800"/>
+              <a:rPr lang="en-US" sz="1800" dirty="0"/>
               <a:t>A new </a:t>
             </a:r>
             <a:r>
-              <a:rPr lang="en-US" sz="1800" err="1"/>
+              <a:rPr lang="en-US" sz="1800" dirty="0" err="1"/>
               <a:t>libc</a:t>
             </a:r>
             <a:r>
-              <a:rPr lang="en-US" sz="1800"/>
+              <a:rPr lang="en-US" sz="1800" dirty="0"/>
               <a:t> implementation built on the preview2 interface?   Continue the </a:t>
             </a:r>
             <a:r>
-              <a:rPr lang="en-US" sz="1800" err="1"/>
+              <a:rPr lang="en-US" sz="1800" dirty="0" err="1"/>
               <a:t>wasi-libc</a:t>
             </a:r>
             <a:r>
-              <a:rPr lang="en-US" sz="1800"/>
+              <a:rPr lang="en-US" sz="1800" dirty="0"/>
               <a:t> evolvement? </a:t>
             </a:r>
           </a:p>
@@ -6965,11 +6965,11 @@
               </a:lnSpc>
             </a:pPr>
             <a:r>
-              <a:rPr lang="en-US" sz="2000"/>
+              <a:rPr lang="en-US" sz="2000" dirty="0"/>
               <a:t>Leads to no way to establish a core-module-based ecosystem (</a:t>
             </a:r>
             <a:r>
-              <a:rPr lang="en-US" altLang="zh-CN" sz="2000">
+              <a:rPr lang="en-US" altLang="zh-CN" sz="2000" dirty="0">
                 <a:solidFill>
                   <a:srgbClr val="FF0000"/>
                 </a:solidFill>
@@ -6977,7 +6977,7 @@
               <a:t>can we</a:t>
             </a:r>
             <a:r>
-              <a:rPr lang="zh-CN" altLang="en-US" sz="2000">
+              <a:rPr lang="zh-CN" altLang="en-US" sz="2000" dirty="0">
                 <a:solidFill>
                   <a:srgbClr val="FF0000"/>
                 </a:solidFill>
@@ -6985,7 +6985,7 @@
               <a:t> </a:t>
             </a:r>
             <a:r>
-              <a:rPr lang="en-US" sz="2000">
+              <a:rPr lang="en-US" sz="2000" dirty="0">
                 <a:solidFill>
                   <a:srgbClr val="FF0000"/>
                 </a:solidFill>
@@ -6993,7 +6993,7 @@
               <a:t>afford this?</a:t>
             </a:r>
             <a:r>
-              <a:rPr lang="en-US" sz="2000"/>
+              <a:rPr lang="en-US" sz="2000" dirty="0"/>
               <a:t>)</a:t>
             </a:r>
           </a:p>
@@ -7004,7 +7004,7 @@
               </a:lnSpc>
             </a:pPr>
             <a:r>
-              <a:rPr lang="en-US" sz="1800"/>
+              <a:rPr lang="en-US" sz="1800" dirty="0"/>
               <a:t>Given that WASI is the foundation of the module ecosystem</a:t>
             </a:r>
           </a:p>
@@ -7015,11 +7015,11 @@
               </a:lnSpc>
             </a:pPr>
             <a:r>
-              <a:rPr lang="en-US" sz="2000"/>
+              <a:rPr lang="en-US" sz="2000" dirty="0"/>
               <a:t>Static linking is still questionable with CM (core function type, miss symbol/relocation) and </a:t>
             </a:r>
             <a:r>
-              <a:rPr lang="en-US" sz="2000">
+              <a:rPr lang="en-US" sz="2000" dirty="0">
                 <a:solidFill>
                   <a:srgbClr val="FF0000"/>
                 </a:solidFill>
@@ -7034,17 +7034,22 @@
               </a:lnSpc>
             </a:pPr>
             <a:r>
-              <a:rPr lang="en-US" sz="2000"/>
+              <a:rPr lang="en-US" sz="2000" dirty="0"/>
               <a:t>CM </a:t>
             </a:r>
             <a:r>
-              <a:rPr lang="en-US" altLang="zh-CN" sz="2000"/>
+              <a:rPr lang="en-US" altLang="zh-CN" sz="2000" dirty="0"/>
               <a:t>p</a:t>
             </a:r>
             <a:r>
-              <a:rPr lang="en-US" sz="2000"/>
-              <a:t>erformance impact could be significant</a:t>
-            </a:r>
+              <a:rPr lang="en-US" sz="2000" dirty="0"/>
+              <a:t>erformance impact </a:t>
+            </a:r>
+            <a:r>
+              <a:rPr lang="en-US" altLang="zh-CN" sz="2000" dirty="0"/>
+              <a:t>needs to be evaluated</a:t>
+            </a:r>
+            <a:endParaRPr lang="en-US" sz="2000" dirty="0"/>
           </a:p>
           <a:p>
             <a:pPr lvl="1">
@@ -7053,7 +7058,7 @@
               </a:lnSpc>
             </a:pPr>
             <a:r>
-              <a:rPr lang="en-US" sz="1800"/>
+              <a:rPr lang="en-US" sz="1800" dirty="0"/>
               <a:t>How to make it simpler for the modules from the same language and compilation convention?</a:t>
             </a:r>
           </a:p>
@@ -7064,7 +7069,7 @@
               </a:lnSpc>
             </a:pPr>
             <a:r>
-              <a:rPr lang="en-US" sz="2000"/>
+              <a:rPr lang="en-US" sz="2000" dirty="0"/>
               <a:t>Increased footprint (memory, binary), quality challenge by the complexity</a:t>
             </a:r>
           </a:p>
@@ -8428,7 +8433,7 @@
                 <a:latin typeface="Calibri" panose="020F0502020204030204" pitchFamily="34" charset="0"/>
                 <a:ea typeface="Times New Roman" panose="02020603050405020304" pitchFamily="18" charset="0"/>
               </a:rPr>
-              <a:t>The impact is small or an acceptable level (?)</a:t>
+              <a:t>The impact is small or an acceptable level (?), Zero for AoT</a:t>
             </a:r>
             <a:endParaRPr lang="en-US" sz="1400" dirty="0">
               <a:effectLst/>
@@ -12972,27 +12977,6 @@
 </file>
 
 <file path=customXml/item1.xml><?xml version="1.0" encoding="utf-8"?>
-<p:properties xmlns:p="http://schemas.microsoft.com/office/2006/metadata/properties" xmlns:xsi="http://www.w3.org/2001/XMLSchema-instance" xmlns:pc="http://schemas.microsoft.com/office/infopath/2007/PartnerControls">
-  <documentManagement>
-    <Comments xmlns="6f4f0644-3d35-473e-a3e3-a6d0b0df317d" xsi:nil="true"/>
-    <lcf76f155ced4ddcb4097134ff3c332f xmlns="6f4f0644-3d35-473e-a3e3-a6d0b0df317d">
-      <Terms xmlns="http://schemas.microsoft.com/office/infopath/2007/PartnerControls"/>
-    </lcf76f155ced4ddcb4097134ff3c332f>
-    <TaxCatchAll xmlns="a7bc6c04-a6f3-4b85-abcc-278c78dc556b" xsi:nil="true"/>
-  </documentManagement>
-</p:properties>
-</file>
-
-<file path=customXml/item2.xml><?xml version="1.0" encoding="utf-8"?>
-<?mso-contentType ?>
-<FormTemplates xmlns="http://schemas.microsoft.com/sharepoint/v3/contenttype/forms">
-  <Display>DocumentLibraryForm</Display>
-  <Edit>DocumentLibraryForm</Edit>
-  <New>DocumentLibraryForm</New>
-</FormTemplates>
-</file>
-
-<file path=customXml/item3.xml><?xml version="1.0" encoding="utf-8"?>
 <ct:contentTypeSchema xmlns:ct="http://schemas.microsoft.com/office/2006/metadata/contentType" xmlns:ma="http://schemas.microsoft.com/office/2006/metadata/properties/metaAttributes" ct:_="" ma:_="" ma:contentTypeName="Document" ma:contentTypeID="0x01010049AC0B5DC4E054468FB0AC262D775EC4" ma:contentTypeVersion="18" ma:contentTypeDescription="Create a new document." ma:contentTypeScope="" ma:versionID="975dfae344b3938654c2ff1785ba03a7">
   <xsd:schema xmlns:xsd="http://www.w3.org/2001/XMLSchema" xmlns:xs="http://www.w3.org/2001/XMLSchema" xmlns:p="http://schemas.microsoft.com/office/2006/metadata/properties" xmlns:ns2="6f4f0644-3d35-473e-a3e3-a6d0b0df317d" xmlns:ns3="dc58d376-3c93-4619-a429-1a6b9ed8da93" xmlns:ns4="a7bc6c04-a6f3-4b85-abcc-278c78dc556b" targetNamespace="http://schemas.microsoft.com/office/2006/metadata/properties" ma:root="true" ma:fieldsID="43fdd55062d77b032a16bad9e67df147" ns2:_="" ns3:_="" ns4:_="">
     <xsd:import namespace="6f4f0644-3d35-473e-a3e3-a6d0b0df317d"/>
@@ -13254,26 +13238,28 @@
 </ct:contentTypeSchema>
 </file>
 
-<file path=customXml/itemProps1.xml><?xml version="1.0" encoding="utf-8"?>
-<ds:datastoreItem xmlns:ds="http://schemas.openxmlformats.org/officeDocument/2006/customXml" ds:itemID="{B068D65A-06BF-421C-9E2B-E3C495DBCF8E}">
-  <ds:schemaRefs>
-    <ds:schemaRef ds:uri="6f4f0644-3d35-473e-a3e3-a6d0b0df317d"/>
-    <ds:schemaRef ds:uri="a7bc6c04-a6f3-4b85-abcc-278c78dc556b"/>
-    <ds:schemaRef ds:uri="http://schemas.microsoft.com/office/2006/metadata/properties"/>
-    <ds:schemaRef ds:uri="http://schemas.microsoft.com/office/infopath/2007/PartnerControls"/>
-  </ds:schemaRefs>
-</ds:datastoreItem>
+<file path=customXml/item2.xml><?xml version="1.0" encoding="utf-8"?>
+<?mso-contentType ?>
+<FormTemplates xmlns="http://schemas.microsoft.com/sharepoint/v3/contenttype/forms">
+  <Display>DocumentLibraryForm</Display>
+  <Edit>DocumentLibraryForm</Edit>
+  <New>DocumentLibraryForm</New>
+</FormTemplates>
 </file>
 
-<file path=customXml/itemProps2.xml><?xml version="1.0" encoding="utf-8"?>
-<ds:datastoreItem xmlns:ds="http://schemas.openxmlformats.org/officeDocument/2006/customXml" ds:itemID="{36D8B355-129F-45FC-8E58-9699E3CAE328}">
-  <ds:schemaRefs>
-    <ds:schemaRef ds:uri="http://schemas.microsoft.com/sharepoint/v3/contenttype/forms"/>
-  </ds:schemaRefs>
-</ds:datastoreItem>
+<file path=customXml/item3.xml><?xml version="1.0" encoding="utf-8"?>
+<p:properties xmlns:p="http://schemas.microsoft.com/office/2006/metadata/properties" xmlns:xsi="http://www.w3.org/2001/XMLSchema-instance" xmlns:pc="http://schemas.microsoft.com/office/infopath/2007/PartnerControls">
+  <documentManagement>
+    <Comments xmlns="6f4f0644-3d35-473e-a3e3-a6d0b0df317d" xsi:nil="true"/>
+    <lcf76f155ced4ddcb4097134ff3c332f xmlns="6f4f0644-3d35-473e-a3e3-a6d0b0df317d">
+      <Terms xmlns="http://schemas.microsoft.com/office/infopath/2007/PartnerControls"/>
+    </lcf76f155ced4ddcb4097134ff3c332f>
+    <TaxCatchAll xmlns="a7bc6c04-a6f3-4b85-abcc-278c78dc556b" xsi:nil="true"/>
+  </documentManagement>
+</p:properties>
 </file>
 
-<file path=customXml/itemProps3.xml><?xml version="1.0" encoding="utf-8"?>
+<file path=customXml/itemProps1.xml><?xml version="1.0" encoding="utf-8"?>
 <ds:datastoreItem xmlns:ds="http://schemas.openxmlformats.org/officeDocument/2006/customXml" ds:itemID="{1D33C319-B6C2-4F9C-9A3B-FF6CF15AE8B3}">
   <ds:schemaRefs>
     <ds:schemaRef ds:uri="6f4f0644-3d35-473e-a3e3-a6d0b0df317d"/>
@@ -13291,4 +13277,23 @@
     <ds:schemaRef ds:uri="http://www.w3.org/2001/XMLSchema"/>
   </ds:schemaRefs>
 </ds:datastoreItem>
+</file>
+
+<file path=customXml/itemProps2.xml><?xml version="1.0" encoding="utf-8"?>
+<ds:datastoreItem xmlns:ds="http://schemas.openxmlformats.org/officeDocument/2006/customXml" ds:itemID="{36D8B355-129F-45FC-8E58-9699E3CAE328}">
+  <ds:schemaRefs>
+    <ds:schemaRef ds:uri="http://schemas.microsoft.com/sharepoint/v3/contenttype/forms"/>
+  </ds:schemaRefs>
+</ds:datastoreItem>
+</file>
+
+<file path=customXml/itemProps3.xml><?xml version="1.0" encoding="utf-8"?>
+<ds:datastoreItem xmlns:ds="http://schemas.openxmlformats.org/officeDocument/2006/customXml" ds:itemID="{B068D65A-06BF-421C-9E2B-E3C495DBCF8E}">
+  <ds:schemaRefs>
+    <ds:schemaRef ds:uri="6f4f0644-3d35-473e-a3e3-a6d0b0df317d"/>
+    <ds:schemaRef ds:uri="a7bc6c04-a6f3-4b85-abcc-278c78dc556b"/>
+    <ds:schemaRef ds:uri="http://schemas.microsoft.com/office/2006/metadata/properties"/>
+    <ds:schemaRef ds:uri="http://schemas.microsoft.com/office/infopath/2007/PartnerControls"/>
+  </ds:schemaRefs>
+</ds:datastoreItem>
 </file>